--- a/frontend-cursus/ 3 - JavaScript Language.pptx
+++ b/frontend-cursus/ 3 - JavaScript Language.pptx
@@ -267,6 +267,11 @@
       </a:defRPr>
     </a:lvl9pPr>
   </p:defaultTextStyle>
+  <p:extLst>
+    <p:ext uri="{EFAFB233-063F-42B5-8137-9DF3F51BA10A}">
+      <p15:sldGuideLst xmlns:p15="http://schemas.microsoft.com/office/powerpoint/2012/main"/>
+    </p:ext>
+  </p:extLst>
 </p:presentation>
 </file>
 
@@ -666,7 +671,7 @@
         </p:nvSpPr>
         <p:spPr>
           <a:xfrm>
-            <a:off x="380999" y="685800"/>
+            <a:off x="381000" y="685800"/>
             <a:ext cx="6096000" cy="3429000"/>
           </a:xfrm>
           <a:custGeom>
@@ -14366,18 +14371,15 @@
               <a:buFont typeface="Helvetica Neue"/>
               <a:buNone/>
             </a:pPr>
-            <a:r>
-              <a:rPr lang="en-US" sz="2100" b="0" i="0" u="none" strike="noStrike" cap="none">
-                <a:solidFill>
-                  <a:srgbClr val="FFFFFF"/>
-                </a:solidFill>
-                <a:latin typeface="Helvetica Neue"/>
-                <a:ea typeface="Helvetica Neue"/>
-                <a:cs typeface="Helvetica Neue"/>
-                <a:sym typeface="Helvetica Neue"/>
-              </a:rPr>
-              <a:t>Week 1</a:t>
-            </a:r>
+            <a:endParaRPr lang="en-US" sz="2100" b="0" i="0" u="none" strike="noStrike" cap="none" dirty="0">
+              <a:solidFill>
+                <a:srgbClr val="FFFFFF"/>
+              </a:solidFill>
+              <a:latin typeface="Helvetica Neue"/>
+              <a:ea typeface="Helvetica Neue"/>
+              <a:cs typeface="Helvetica Neue"/>
+              <a:sym typeface="Helvetica Neue"/>
+            </a:endParaRPr>
           </a:p>
         </p:txBody>
       </p:sp>
@@ -14386,6 +14388,13 @@
   <p:clrMapOvr>
     <a:masterClrMapping/>
   </p:clrMapOvr>
+  <p:timing>
+    <p:tnLst>
+      <p:par>
+        <p:cTn id="1" dur="indefinite" restart="never" nodeType="tmRoot"/>
+      </p:par>
+    </p:tnLst>
+  </p:timing>
 </p:sld>
 </file>
 
@@ -14564,6 +14573,13 @@
   <p:clrMapOvr>
     <a:masterClrMapping/>
   </p:clrMapOvr>
+  <p:timing>
+    <p:tnLst>
+      <p:par>
+        <p:cTn id="1" dur="indefinite" restart="never" nodeType="tmRoot"/>
+      </p:par>
+    </p:tnLst>
+  </p:timing>
 </p:sld>
 </file>
 
@@ -14804,6 +14820,13 @@
   <p:clrMapOvr>
     <a:masterClrMapping/>
   </p:clrMapOvr>
+  <p:timing>
+    <p:tnLst>
+      <p:par>
+        <p:cTn id="1" dur="indefinite" restart="never" nodeType="tmRoot"/>
+      </p:par>
+    </p:tnLst>
+  </p:timing>
 </p:sld>
 </file>
 
@@ -14951,6 +14974,13 @@
   <p:clrMapOvr>
     <a:masterClrMapping/>
   </p:clrMapOvr>
+  <p:timing>
+    <p:tnLst>
+      <p:par>
+        <p:cTn id="1" dur="indefinite" restart="never" nodeType="tmRoot"/>
+      </p:par>
+    </p:tnLst>
+  </p:timing>
 </p:sld>
 </file>
 
@@ -15222,6 +15252,13 @@
   <p:clrMapOvr>
     <a:masterClrMapping/>
   </p:clrMapOvr>
+  <p:timing>
+    <p:tnLst>
+      <p:par>
+        <p:cTn id="1" dur="indefinite" restart="never" nodeType="tmRoot"/>
+      </p:par>
+    </p:tnLst>
+  </p:timing>
 </p:sld>
 </file>
 
@@ -15581,6 +15618,13 @@
   <p:clrMapOvr>
     <a:masterClrMapping/>
   </p:clrMapOvr>
+  <p:timing>
+    <p:tnLst>
+      <p:par>
+        <p:cTn id="1" dur="indefinite" restart="never" nodeType="tmRoot"/>
+      </p:par>
+    </p:tnLst>
+  </p:timing>
 </p:sld>
 </file>
 
@@ -15783,6 +15827,13 @@
   <p:clrMapOvr>
     <a:masterClrMapping/>
   </p:clrMapOvr>
+  <p:timing>
+    <p:tnLst>
+      <p:par>
+        <p:cTn id="1" dur="indefinite" restart="never" nodeType="tmRoot"/>
+      </p:par>
+    </p:tnLst>
+  </p:timing>
 </p:sld>
 </file>
 
@@ -15992,6 +16043,13 @@
   <p:clrMapOvr>
     <a:masterClrMapping/>
   </p:clrMapOvr>
+  <p:timing>
+    <p:tnLst>
+      <p:par>
+        <p:cTn id="1" dur="indefinite" restart="never" nodeType="tmRoot"/>
+      </p:par>
+    </p:tnLst>
+  </p:timing>
 </p:sld>
 </file>
 
@@ -16139,6 +16197,13 @@
   <p:clrMapOvr>
     <a:masterClrMapping/>
   </p:clrMapOvr>
+  <p:timing>
+    <p:tnLst>
+      <p:par>
+        <p:cTn id="1" dur="indefinite" restart="never" nodeType="tmRoot"/>
+      </p:par>
+    </p:tnLst>
+  </p:timing>
 </p:sld>
 </file>
 
@@ -16833,6 +16898,13 @@
   <p:clrMapOvr>
     <a:masterClrMapping/>
   </p:clrMapOvr>
+  <p:timing>
+    <p:tnLst>
+      <p:par>
+        <p:cTn id="1" dur="indefinite" restart="never" nodeType="tmRoot"/>
+      </p:par>
+    </p:tnLst>
+  </p:timing>
 </p:sld>
 </file>
 
@@ -17176,6 +17248,13 @@
   <p:clrMapOvr>
     <a:masterClrMapping/>
   </p:clrMapOvr>
+  <p:timing>
+    <p:tnLst>
+      <p:par>
+        <p:cTn id="1" dur="indefinite" restart="never" nodeType="tmRoot"/>
+      </p:par>
+    </p:tnLst>
+  </p:timing>
 </p:sld>
 </file>
 
@@ -17385,6 +17464,13 @@
   <p:clrMapOvr>
     <a:masterClrMapping/>
   </p:clrMapOvr>
+  <p:timing>
+    <p:tnLst>
+      <p:par>
+        <p:cTn id="1" dur="indefinite" restart="never" nodeType="tmRoot"/>
+      </p:par>
+    </p:tnLst>
+  </p:timing>
 </p:sld>
 </file>
 
@@ -17831,6 +17917,13 @@
   <p:clrMapOvr>
     <a:masterClrMapping/>
   </p:clrMapOvr>
+  <p:timing>
+    <p:tnLst>
+      <p:par>
+        <p:cTn id="1" dur="indefinite" restart="never" nodeType="tmRoot"/>
+      </p:par>
+    </p:tnLst>
+  </p:timing>
 </p:sld>
 </file>
 
@@ -18137,6 +18230,13 @@
   <p:clrMapOvr>
     <a:masterClrMapping/>
   </p:clrMapOvr>
+  <p:timing>
+    <p:tnLst>
+      <p:par>
+        <p:cTn id="1" dur="indefinite" restart="never" nodeType="tmRoot"/>
+      </p:par>
+    </p:tnLst>
+  </p:timing>
 </p:sld>
 </file>
 
@@ -18408,6 +18508,13 @@
   <p:clrMapOvr>
     <a:masterClrMapping/>
   </p:clrMapOvr>
+  <p:timing>
+    <p:tnLst>
+      <p:par>
+        <p:cTn id="1" dur="indefinite" restart="never" nodeType="tmRoot"/>
+      </p:par>
+    </p:tnLst>
+  </p:timing>
 </p:sld>
 </file>
 
@@ -18747,6 +18854,13 @@
   <p:clrMapOvr>
     <a:masterClrMapping/>
   </p:clrMapOvr>
+  <p:timing>
+    <p:tnLst>
+      <p:par>
+        <p:cTn id="1" dur="indefinite" restart="never" nodeType="tmRoot"/>
+      </p:par>
+    </p:tnLst>
+  </p:timing>
 </p:sld>
 </file>
 
@@ -19165,6 +19279,13 @@
   <p:clrMapOvr>
     <a:masterClrMapping/>
   </p:clrMapOvr>
+  <p:timing>
+    <p:tnLst>
+      <p:par>
+        <p:cTn id="1" dur="indefinite" restart="never" nodeType="tmRoot"/>
+      </p:par>
+    </p:tnLst>
+  </p:timing>
 </p:sld>
 </file>
 
@@ -19405,6 +19526,13 @@
   <p:clrMapOvr>
     <a:masterClrMapping/>
   </p:clrMapOvr>
+  <p:timing>
+    <p:tnLst>
+      <p:par>
+        <p:cTn id="1" dur="indefinite" restart="never" nodeType="tmRoot"/>
+      </p:par>
+    </p:tnLst>
+  </p:timing>
 </p:sld>
 </file>
 
@@ -19911,6 +20039,13 @@
   <p:clrMapOvr>
     <a:masterClrMapping/>
   </p:clrMapOvr>
+  <p:timing>
+    <p:tnLst>
+      <p:par>
+        <p:cTn id="1" dur="indefinite" restart="never" nodeType="tmRoot"/>
+      </p:par>
+    </p:tnLst>
+  </p:timing>
 </p:sld>
 </file>
 
@@ -20151,6 +20286,13 @@
   <p:clrMapOvr>
     <a:masterClrMapping/>
   </p:clrMapOvr>
+  <p:timing>
+    <p:tnLst>
+      <p:par>
+        <p:cTn id="1" dur="indefinite" restart="never" nodeType="tmRoot"/>
+      </p:par>
+    </p:tnLst>
+  </p:timing>
 </p:sld>
 </file>
 
@@ -20969,6 +21111,13 @@
   <p:clrMapOvr>
     <a:masterClrMapping/>
   </p:clrMapOvr>
+  <p:timing>
+    <p:tnLst>
+      <p:par>
+        <p:cTn id="1" dur="indefinite" restart="never" nodeType="tmRoot"/>
+      </p:par>
+    </p:tnLst>
+  </p:timing>
 </p:sld>
 </file>
 
@@ -21520,6 +21669,13 @@
   <p:clrMapOvr>
     <a:masterClrMapping/>
   </p:clrMapOvr>
+  <p:timing>
+    <p:tnLst>
+      <p:par>
+        <p:cTn id="1" dur="indefinite" restart="never" nodeType="tmRoot"/>
+      </p:par>
+    </p:tnLst>
+  </p:timing>
 </p:sld>
 </file>
 
@@ -21760,6 +21916,13 @@
   <p:clrMapOvr>
     <a:masterClrMapping/>
   </p:clrMapOvr>
+  <p:timing>
+    <p:tnLst>
+      <p:par>
+        <p:cTn id="1" dur="indefinite" restart="never" nodeType="tmRoot"/>
+      </p:par>
+    </p:tnLst>
+  </p:timing>
 </p:sld>
 </file>
 
@@ -22173,6 +22336,13 @@
   <p:clrMapOvr>
     <a:masterClrMapping/>
   </p:clrMapOvr>
+  <p:timing>
+    <p:tnLst>
+      <p:par>
+        <p:cTn id="1" dur="indefinite" restart="never" nodeType="tmRoot"/>
+      </p:par>
+    </p:tnLst>
+  </p:timing>
 </p:sld>
 </file>
 
@@ -22259,6 +22429,13 @@
   <p:clrMapOvr>
     <a:masterClrMapping/>
   </p:clrMapOvr>
+  <p:timing>
+    <p:tnLst>
+      <p:par>
+        <p:cTn id="1" dur="indefinite" restart="never" nodeType="tmRoot"/>
+      </p:par>
+    </p:tnLst>
+  </p:timing>
 </p:sld>
 </file>
 
@@ -22547,6 +22724,13 @@
   <p:clrMapOvr>
     <a:masterClrMapping/>
   </p:clrMapOvr>
+  <p:timing>
+    <p:tnLst>
+      <p:par>
+        <p:cTn id="1" dur="indefinite" restart="never" nodeType="tmRoot"/>
+      </p:par>
+    </p:tnLst>
+  </p:timing>
 </p:sld>
 </file>
 
@@ -23049,6 +23233,13 @@
   <p:clrMapOvr>
     <a:masterClrMapping/>
   </p:clrMapOvr>
+  <p:timing>
+    <p:tnLst>
+      <p:par>
+        <p:cTn id="1" dur="indefinite" restart="never" nodeType="tmRoot"/>
+      </p:par>
+    </p:tnLst>
+  </p:timing>
 </p:sld>
 </file>
 
@@ -23135,6 +23326,13 @@
   <p:clrMapOvr>
     <a:masterClrMapping/>
   </p:clrMapOvr>
+  <p:timing>
+    <p:tnLst>
+      <p:par>
+        <p:cTn id="1" dur="indefinite" restart="never" nodeType="tmRoot"/>
+      </p:par>
+    </p:tnLst>
+  </p:timing>
 </p:sld>
 </file>
 
@@ -23821,6 +24019,13 @@
   <p:clrMapOvr>
     <a:masterClrMapping/>
   </p:clrMapOvr>
+  <p:timing>
+    <p:tnLst>
+      <p:par>
+        <p:cTn id="1" dur="indefinite" restart="never" nodeType="tmRoot"/>
+      </p:par>
+    </p:tnLst>
+  </p:timing>
 </p:sld>
 </file>
 
@@ -24632,6 +24837,13 @@
   <p:clrMapOvr>
     <a:masterClrMapping/>
   </p:clrMapOvr>
+  <p:timing>
+    <p:tnLst>
+      <p:par>
+        <p:cTn id="1" dur="indefinite" restart="never" nodeType="tmRoot"/>
+      </p:par>
+    </p:tnLst>
+  </p:timing>
 </p:sld>
 </file>
 
@@ -24718,6 +24930,13 @@
   <p:clrMapOvr>
     <a:masterClrMapping/>
   </p:clrMapOvr>
+  <p:timing>
+    <p:tnLst>
+      <p:par>
+        <p:cTn id="1" dur="indefinite" restart="never" nodeType="tmRoot"/>
+      </p:par>
+    </p:tnLst>
+  </p:timing>
 </p:sld>
 </file>
 
@@ -25182,6 +25401,13 @@
   <p:clrMapOvr>
     <a:masterClrMapping/>
   </p:clrMapOvr>
+  <p:timing>
+    <p:tnLst>
+      <p:par>
+        <p:cTn id="1" dur="indefinite" restart="never" nodeType="tmRoot"/>
+      </p:par>
+    </p:tnLst>
+  </p:timing>
 </p:sld>
 </file>
 
@@ -25749,6 +25975,13 @@
   <p:clrMapOvr>
     <a:masterClrMapping/>
   </p:clrMapOvr>
+  <p:timing>
+    <p:tnLst>
+      <p:par>
+        <p:cTn id="1" dur="indefinite" restart="never" nodeType="tmRoot"/>
+      </p:par>
+    </p:tnLst>
+  </p:timing>
 </p:sld>
 </file>
 
@@ -25862,6 +26095,13 @@
   <p:clrMapOvr>
     <a:masterClrMapping/>
   </p:clrMapOvr>
+  <p:timing>
+    <p:tnLst>
+      <p:par>
+        <p:cTn id="1" dur="indefinite" restart="never" nodeType="tmRoot"/>
+      </p:par>
+    </p:tnLst>
+  </p:timing>
 </p:sld>
 </file>
 
@@ -26225,6 +26465,13 @@
   <p:clrMapOvr>
     <a:masterClrMapping/>
   </p:clrMapOvr>
+  <p:timing>
+    <p:tnLst>
+      <p:par>
+        <p:cTn id="1" dur="indefinite" restart="never" nodeType="tmRoot"/>
+      </p:par>
+    </p:tnLst>
+  </p:timing>
 </p:sld>
 </file>
 
@@ -26434,6 +26681,13 @@
   <p:clrMapOvr>
     <a:masterClrMapping/>
   </p:clrMapOvr>
+  <p:timing>
+    <p:tnLst>
+      <p:par>
+        <p:cTn id="1" dur="indefinite" restart="never" nodeType="tmRoot"/>
+      </p:par>
+    </p:tnLst>
+  </p:timing>
 </p:sld>
 </file>
 
@@ -29882,6 +30136,13 @@
   <p:clrMapOvr>
     <a:masterClrMapping/>
   </p:clrMapOvr>
+  <p:timing>
+    <p:tnLst>
+      <p:par>
+        <p:cTn id="1" dur="indefinite" restart="never" nodeType="tmRoot"/>
+      </p:par>
+    </p:tnLst>
+  </p:timing>
 </p:sld>
 </file>
 
@@ -31372,6 +31633,13 @@
   <p:clrMapOvr>
     <a:masterClrMapping/>
   </p:clrMapOvr>
+  <p:timing>
+    <p:tnLst>
+      <p:par>
+        <p:cTn id="1" dur="indefinite" restart="never" nodeType="tmRoot"/>
+      </p:par>
+    </p:tnLst>
+  </p:timing>
 </p:sld>
 </file>
 
@@ -31612,6 +31880,13 @@
   <p:clrMapOvr>
     <a:masterClrMapping/>
   </p:clrMapOvr>
+  <p:timing>
+    <p:tnLst>
+      <p:par>
+        <p:cTn id="1" dur="indefinite" restart="never" nodeType="tmRoot"/>
+      </p:par>
+    </p:tnLst>
+  </p:timing>
 </p:sld>
 </file>
 
@@ -31902,6 +32177,13 @@
   <p:clrMapOvr>
     <a:masterClrMapping/>
   </p:clrMapOvr>
+  <p:timing>
+    <p:tnLst>
+      <p:par>
+        <p:cTn id="1" dur="indefinite" restart="never" nodeType="tmRoot"/>
+      </p:par>
+    </p:tnLst>
+  </p:timing>
 </p:sld>
 </file>
 
@@ -31988,6 +32270,13 @@
   <p:clrMapOvr>
     <a:masterClrMapping/>
   </p:clrMapOvr>
+  <p:timing>
+    <p:tnLst>
+      <p:par>
+        <p:cTn id="1" dur="indefinite" restart="never" nodeType="tmRoot"/>
+      </p:par>
+    </p:tnLst>
+  </p:timing>
 </p:sld>
 </file>
 

--- a/frontend-cursus/ 3 - JavaScript Language.pptx
+++ b/frontend-cursus/ 3 - JavaScript Language.pptx
@@ -2034,7 +2034,7 @@
         </p:nvSpPr>
         <p:spPr>
           <a:xfrm>
-            <a:off x="380999" y="685800"/>
+            <a:off x="381000" y="685800"/>
             <a:ext cx="6096000" cy="3429000"/>
           </a:xfrm>
           <a:custGeom>
@@ -2664,7 +2664,7 @@
         </p:nvSpPr>
         <p:spPr>
           <a:xfrm>
-            <a:off x="380999" y="685800"/>
+            <a:off x="381000" y="685800"/>
             <a:ext cx="6096000" cy="3429000"/>
           </a:xfrm>
           <a:custGeom>
@@ -3068,7 +3068,7 @@
         </p:nvSpPr>
         <p:spPr>
           <a:xfrm>
-            <a:off x="380999" y="685800"/>
+            <a:off x="381000" y="685800"/>
             <a:ext cx="6096000" cy="3429000"/>
           </a:xfrm>
           <a:custGeom>
@@ -18052,7 +18052,7 @@
               <a:buChar char="•"/>
             </a:pPr>
             <a:r>
-              <a:rPr lang="en-US" sz="2400" b="0" i="0" u="none" strike="noStrike" cap="none">
+              <a:rPr lang="en-US" sz="2400" b="0" i="0" u="none" strike="noStrike" cap="none" dirty="0">
                 <a:solidFill>
                   <a:srgbClr val="FFFFFF"/>
                 </a:solidFill>
@@ -18064,7 +18064,7 @@
               <a:t>“Primitive” value</a:t>
             </a:r>
             <a:r>
-              <a:rPr lang="en-US"/>
+              <a:rPr lang="en-US" dirty="0"/>
               <a:t> types</a:t>
             </a:r>
           </a:p>
@@ -18087,7 +18087,7 @@
               <a:buChar char="•"/>
             </a:pPr>
             <a:r>
-              <a:rPr lang="en-US" sz="2400" b="0" i="0" u="none" strike="noStrike" cap="none">
+              <a:rPr lang="en-US" sz="2400" b="0" i="0" u="none" strike="noStrike" cap="none" dirty="0">
                 <a:solidFill>
                   <a:srgbClr val="FFFFFF"/>
                 </a:solidFill>
@@ -18118,7 +18118,7 @@
               <a:buChar char="•"/>
             </a:pPr>
             <a:r>
-              <a:rPr lang="en-US" sz="2400" b="0" i="0" u="none" strike="noStrike" cap="none">
+              <a:rPr lang="en-US" sz="2400" b="0" i="0" u="none" strike="noStrike" cap="none" dirty="0">
                 <a:solidFill>
                   <a:srgbClr val="FFFFFF"/>
                 </a:solidFill>
@@ -18149,7 +18149,7 @@
               <a:buChar char="•"/>
             </a:pPr>
             <a:r>
-              <a:rPr lang="en-US" sz="2400" b="0" i="0" u="none" strike="noStrike" cap="none">
+              <a:rPr lang="en-US" sz="2400" b="0" i="0" u="none" strike="noStrike" cap="none" dirty="0">
                 <a:solidFill>
                   <a:srgbClr val="FFFFFF"/>
                 </a:solidFill>
@@ -18180,7 +18180,7 @@
               <a:buChar char="•"/>
             </a:pPr>
             <a:r>
-              <a:rPr lang="en-US" sz="2400" b="0" i="0" u="none" strike="noStrike" cap="none">
+              <a:rPr lang="en-US" sz="2400" b="0" i="0" u="none" strike="noStrike" cap="none" dirty="0">
                 <a:solidFill>
                   <a:srgbClr val="FFFFFF"/>
                 </a:solidFill>
@@ -18211,7 +18211,7 @@
               <a:buChar char="•"/>
             </a:pPr>
             <a:r>
-              <a:rPr lang="en-US" sz="2400" b="0" i="0" u="none" strike="noStrike" cap="none">
+              <a:rPr lang="en-US" sz="2400" b="0" i="0" u="none" strike="noStrike" cap="none" dirty="0">
                 <a:solidFill>
                   <a:srgbClr val="FFFFFF"/>
                 </a:solidFill>
@@ -20113,7 +20113,7 @@
               <a:buNone/>
             </a:pPr>
             <a:r>
-              <a:rPr lang="en-US" sz="5200" b="0" i="0" u="none" strike="noStrike" cap="none">
+              <a:rPr lang="en-US" sz="5200" b="0" i="0" u="none" strike="noStrike" cap="none" dirty="0">
                 <a:solidFill>
                   <a:srgbClr val="FFFFFF"/>
                 </a:solidFill>
@@ -20156,7 +20156,7 @@
           </a:bodyPr>
           <a:lstStyle/>
           <a:p>
-            <a:pPr marL="292100" marR="0" lvl="0" indent="-292100" algn="l" rtl="0">
+            <a:pPr marL="0" marR="0" lvl="0" indent="0" algn="l" rtl="0">
               <a:lnSpc>
                 <a:spcPct val="100000"/>
               </a:lnSpc>
@@ -20170,11 +20170,10 @@
                 <a:srgbClr val="FFFFFF"/>
               </a:buClr>
               <a:buSzPct val="75000"/>
-              <a:buFont typeface="Helvetica Neue"/>
-              <a:buChar char="•"/>
-            </a:pPr>
-            <a:r>
-              <a:rPr lang="en-US" sz="2400" b="0" i="0" u="none" strike="noStrike" cap="none">
+              <a:buNone/>
+            </a:pPr>
+            <a:r>
+              <a:rPr lang="en-US" sz="2400" b="0" i="0" u="none" strike="noStrike" cap="none" dirty="0">
                 <a:solidFill>
                   <a:srgbClr val="FFFFFF"/>
                 </a:solidFill>
@@ -20187,7 +20186,7 @@
             </a:r>
           </a:p>
           <a:p>
-            <a:pPr marL="863600" marR="0" lvl="2" indent="-292100" algn="l" rtl="0">
+            <a:pPr marL="571500" marR="0" lvl="2" indent="0" algn="l" rtl="0">
               <a:lnSpc>
                 <a:spcPct val="100000"/>
               </a:lnSpc>
@@ -20201,11 +20200,10 @@
                 <a:srgbClr val="FFFFFF"/>
               </a:buClr>
               <a:buSzPct val="75000"/>
-              <a:buFont typeface="Helvetica Neue"/>
-              <a:buChar char="•"/>
-            </a:pPr>
-            <a:r>
-              <a:rPr lang="en-US" sz="2400" b="0" i="0" u="none" strike="noStrike" cap="none">
+              <a:buNone/>
+            </a:pPr>
+            <a:r>
+              <a:rPr lang="en-US" sz="2400" b="0" i="0" u="none" strike="noStrike" cap="none" dirty="0">
                 <a:solidFill>
                   <a:srgbClr val="FFFFFF"/>
                 </a:solidFill>
@@ -20218,7 +20216,7 @@
             </a:r>
           </a:p>
           <a:p>
-            <a:pPr marL="292100" marR="0" lvl="0" indent="-292100" algn="l" rtl="0">
+            <a:pPr marL="0" marR="0" lvl="0" indent="0" algn="l" rtl="0">
               <a:lnSpc>
                 <a:spcPct val="100000"/>
               </a:lnSpc>
@@ -20232,11 +20230,10 @@
                 <a:srgbClr val="FFFFFF"/>
               </a:buClr>
               <a:buSzPct val="75000"/>
-              <a:buFont typeface="Helvetica Neue"/>
-              <a:buChar char="•"/>
-            </a:pPr>
-            <a:r>
-              <a:rPr lang="en-US" sz="2400" b="0" i="0" u="none" strike="noStrike" cap="none">
+              <a:buNone/>
+            </a:pPr>
+            <a:r>
+              <a:rPr lang="en-US" sz="2400" b="0" i="0" u="none" strike="noStrike" cap="none" dirty="0">
                 <a:solidFill>
                   <a:srgbClr val="FFFFFF"/>
                 </a:solidFill>
@@ -20249,7 +20246,7 @@
             </a:r>
           </a:p>
           <a:p>
-            <a:pPr marL="863600" marR="0" lvl="2" indent="-292100" algn="l" rtl="0">
+            <a:pPr marL="571500" marR="0" lvl="2" indent="0" algn="l" rtl="0">
               <a:lnSpc>
                 <a:spcPct val="100000"/>
               </a:lnSpc>
@@ -20263,11 +20260,10 @@
                 <a:srgbClr val="FFFFFF"/>
               </a:buClr>
               <a:buSzPct val="75000"/>
-              <a:buFont typeface="Helvetica Neue"/>
-              <a:buChar char="•"/>
-            </a:pPr>
-            <a:r>
-              <a:rPr lang="en-US" sz="2400" b="0" i="0" u="none" strike="noStrike" cap="none">
+              <a:buNone/>
+            </a:pPr>
+            <a:r>
+              <a:rPr lang="en-US" sz="2400" b="0" i="0" u="none" strike="noStrike" cap="none" dirty="0">
                 <a:solidFill>
                   <a:srgbClr val="FFFFFF"/>
                 </a:solidFill>
@@ -22047,7 +22043,7 @@
               <a:buNone/>
             </a:pPr>
             <a:r>
-              <a:rPr lang="en-US" sz="2600" b="0" i="0" u="none" strike="noStrike" cap="none">
+              <a:rPr lang="en-US" sz="2600" b="0" i="0" u="none" strike="noStrike" cap="none" dirty="0">
                 <a:solidFill>
                   <a:srgbClr val="E28964"/>
                 </a:solidFill>
@@ -22059,7 +22055,7 @@
               <a:t>while</a:t>
             </a:r>
             <a:r>
-              <a:rPr lang="en-US" sz="2600" b="0" i="0" u="none" strike="noStrike" cap="none">
+              <a:rPr lang="en-US" sz="2600" b="0" i="0" u="none" strike="noStrike" cap="none" dirty="0">
                 <a:solidFill>
                   <a:srgbClr val="F8F8F8"/>
                 </a:solidFill>
@@ -22088,7 +22084,7 @@
               <a:buFont typeface="Consolas"/>
               <a:buNone/>
             </a:pPr>
-            <a:endParaRPr sz="2600" b="0" i="0" u="none" strike="noStrike" cap="none">
+            <a:endParaRPr sz="2600" b="0" i="0" u="none" strike="noStrike" cap="none" dirty="0">
               <a:solidFill>
                 <a:srgbClr val="F8F8F8"/>
               </a:solidFill>
@@ -22117,7 +22113,7 @@
               <a:buNone/>
             </a:pPr>
             <a:r>
-              <a:rPr lang="en-US" sz="2600" b="0" i="0" u="none" strike="noStrike" cap="none">
+              <a:rPr lang="en-US" sz="2600" b="0" i="0" u="none" strike="noStrike" cap="none" dirty="0">
                 <a:solidFill>
                   <a:srgbClr val="E28964"/>
                 </a:solidFill>
@@ -22129,7 +22125,7 @@
               <a:t>for</a:t>
             </a:r>
             <a:r>
-              <a:rPr lang="en-US" sz="2600" b="0" i="0" u="none" strike="noStrike" cap="none">
+              <a:rPr lang="en-US" sz="2600" b="0" i="0" u="none" strike="noStrike" cap="none" dirty="0">
                 <a:solidFill>
                   <a:srgbClr val="F8F8F8"/>
                 </a:solidFill>
@@ -22138,7 +22134,31 @@
                 <a:cs typeface="Consolas"/>
                 <a:sym typeface="Consolas"/>
               </a:rPr>
-              <a:t> (init; expression; update) { .. }</a:t>
+              <a:t> (</a:t>
+            </a:r>
+            <a:r>
+              <a:rPr lang="en-US" sz="2600" b="0" i="0" u="none" strike="noStrike" cap="none" dirty="0" err="1">
+                <a:solidFill>
+                  <a:srgbClr val="F8F8F8"/>
+                </a:solidFill>
+                <a:latin typeface="Consolas"/>
+                <a:ea typeface="Consolas"/>
+                <a:cs typeface="Consolas"/>
+                <a:sym typeface="Consolas"/>
+              </a:rPr>
+              <a:t>init</a:t>
+            </a:r>
+            <a:r>
+              <a:rPr lang="en-US" sz="2600" b="0" i="0" u="none" strike="noStrike" cap="none" dirty="0">
+                <a:solidFill>
+                  <a:srgbClr val="F8F8F8"/>
+                </a:solidFill>
+                <a:latin typeface="Consolas"/>
+                <a:ea typeface="Consolas"/>
+                <a:cs typeface="Consolas"/>
+                <a:sym typeface="Consolas"/>
+              </a:rPr>
+              <a:t>; expression; update) { .. }</a:t>
             </a:r>
           </a:p>
           <a:p>
@@ -22158,7 +22178,7 @@
               <a:buFont typeface="Consolas"/>
               <a:buNone/>
             </a:pPr>
-            <a:endParaRPr sz="2600" b="0" i="0" u="none" strike="noStrike" cap="none">
+            <a:endParaRPr sz="2600" b="0" i="0" u="none" strike="noStrike" cap="none" dirty="0">
               <a:solidFill>
                 <a:srgbClr val="F8F8F8"/>
               </a:solidFill>
@@ -22187,7 +22207,7 @@
               <a:buNone/>
             </a:pPr>
             <a:r>
-              <a:rPr lang="en-US" sz="2600" b="0" i="0" u="none" strike="noStrike" cap="none">
+              <a:rPr lang="en-US" sz="2600" b="0" i="0" u="none" strike="noStrike" cap="none" dirty="0">
                 <a:solidFill>
                   <a:srgbClr val="E28964"/>
                 </a:solidFill>
@@ -22199,7 +22219,7 @@
               <a:t>for</a:t>
             </a:r>
             <a:r>
-              <a:rPr lang="en-US" sz="2600" b="0" i="0" u="none" strike="noStrike" cap="none">
+              <a:rPr lang="en-US" sz="2600" b="0" i="0" u="none" strike="noStrike" cap="none" dirty="0">
                 <a:solidFill>
                   <a:srgbClr val="F8F8F8"/>
                 </a:solidFill>
@@ -22211,7 +22231,7 @@
               <a:t> (variable </a:t>
             </a:r>
             <a:r>
-              <a:rPr lang="en-US" sz="2600" b="0" i="0" u="none" strike="noStrike" cap="none">
+              <a:rPr lang="en-US" sz="2600" b="0" i="0" u="none" strike="noStrike" cap="none" dirty="0" smtClean="0">
                 <a:solidFill>
                   <a:srgbClr val="E28964"/>
                 </a:solidFill>
@@ -22220,10 +22240,10 @@
                 <a:cs typeface="Consolas"/>
                 <a:sym typeface="Consolas"/>
               </a:rPr>
-              <a:t>in</a:t>
-            </a:r>
-            <a:r>
-              <a:rPr lang="en-US" sz="2600" b="0" i="0" u="none" strike="noStrike" cap="none">
+              <a:t>of</a:t>
+            </a:r>
+            <a:r>
+              <a:rPr lang="en-US" sz="2600" b="0" i="0" u="none" strike="noStrike" cap="none" dirty="0" smtClean="0">
                 <a:solidFill>
                   <a:srgbClr val="F8F8F8"/>
                 </a:solidFill>
@@ -22232,7 +22252,19 @@
                 <a:cs typeface="Consolas"/>
                 <a:sym typeface="Consolas"/>
               </a:rPr>
-              <a:t> object) { .. }</a:t>
+              <a:t> </a:t>
+            </a:r>
+            <a:r>
+              <a:rPr lang="en-US" sz="2600" b="0" i="0" u="none" strike="noStrike" cap="none" dirty="0">
+                <a:solidFill>
+                  <a:srgbClr val="F8F8F8"/>
+                </a:solidFill>
+                <a:latin typeface="Consolas"/>
+                <a:ea typeface="Consolas"/>
+                <a:cs typeface="Consolas"/>
+                <a:sym typeface="Consolas"/>
+              </a:rPr>
+              <a:t>object) { .. }</a:t>
             </a:r>
           </a:p>
           <a:p>
@@ -22252,7 +22284,7 @@
               <a:buFont typeface="Consolas"/>
               <a:buNone/>
             </a:pPr>
-            <a:endParaRPr sz="2600" b="0" i="0" u="none" strike="noStrike" cap="none">
+            <a:endParaRPr sz="2600" b="0" i="0" u="none" strike="noStrike" cap="none" dirty="0">
               <a:solidFill>
                 <a:srgbClr val="F8F8F8"/>
               </a:solidFill>
@@ -22263,25 +22295,14 @@
             </a:endParaRPr>
           </a:p>
           <a:p>
-            <a:pPr marL="0" marR="0" lvl="0" indent="0" algn="l" rtl="0">
-              <a:lnSpc>
-                <a:spcPct val="100000"/>
-              </a:lnSpc>
-              <a:spcBef>
-                <a:spcPts val="0"/>
-              </a:spcBef>
-              <a:spcAft>
-                <a:spcPts val="0"/>
-              </a:spcAft>
+            <a:pPr lvl="0">
               <a:buClr>
                 <a:srgbClr val="E28964"/>
               </a:buClr>
               <a:buSzPct val="25000"/>
-              <a:buFont typeface="Consolas"/>
-              <a:buNone/>
-            </a:pPr>
-            <a:r>
-              <a:rPr lang="en-US" sz="2600" b="0" i="0" u="none" strike="noStrike" cap="none">
+            </a:pPr>
+            <a:r>
+              <a:rPr lang="en-US" sz="2600" dirty="0">
                 <a:solidFill>
                   <a:srgbClr val="E28964"/>
                 </a:solidFill>
@@ -22290,10 +22311,10 @@
                 <a:cs typeface="Consolas"/>
                 <a:sym typeface="Consolas"/>
               </a:rPr>
-              <a:t>do</a:t>
-            </a:r>
-            <a:r>
-              <a:rPr lang="en-US" sz="2600" b="0" i="0" u="none" strike="noStrike" cap="none">
+              <a:t>for</a:t>
+            </a:r>
+            <a:r>
+              <a:rPr lang="en-US" sz="2600" dirty="0">
                 <a:solidFill>
                   <a:srgbClr val="F8F8F8"/>
                 </a:solidFill>
@@ -22302,10 +22323,10 @@
                 <a:cs typeface="Consolas"/>
                 <a:sym typeface="Consolas"/>
               </a:rPr>
-              <a:t> { .. } </a:t>
-            </a:r>
-            <a:r>
-              <a:rPr lang="en-US" sz="2600" b="0" i="0" u="none" strike="noStrike" cap="none">
+              <a:t> (variable </a:t>
+            </a:r>
+            <a:r>
+              <a:rPr lang="en-US" sz="2600" dirty="0">
                 <a:solidFill>
                   <a:srgbClr val="E28964"/>
                 </a:solidFill>
@@ -22314,10 +22335,10 @@
                 <a:cs typeface="Consolas"/>
                 <a:sym typeface="Consolas"/>
               </a:rPr>
-              <a:t>while</a:t>
-            </a:r>
-            <a:r>
-              <a:rPr lang="en-US" sz="2600" b="0" i="0" u="none" strike="noStrike" cap="none">
+              <a:t>in</a:t>
+            </a:r>
+            <a:r>
+              <a:rPr lang="en-US" sz="2600" dirty="0">
                 <a:solidFill>
                   <a:srgbClr val="F8F8F8"/>
                 </a:solidFill>
@@ -22326,8 +22347,17 @@
                 <a:cs typeface="Consolas"/>
                 <a:sym typeface="Consolas"/>
               </a:rPr>
-              <a:t> (expression);</a:t>
-            </a:r>
+              <a:t> object) { .. }</a:t>
+            </a:r>
+            <a:endParaRPr lang="en-US" sz="2600" dirty="0">
+              <a:solidFill>
+                <a:srgbClr val="F8F8F8"/>
+              </a:solidFill>
+              <a:latin typeface="Consolas"/>
+              <a:ea typeface="Consolas"/>
+              <a:cs typeface="Consolas"/>
+              <a:sym typeface="Consolas"/>
+            </a:endParaRPr>
           </a:p>
         </p:txBody>
       </p:sp>

--- a/frontend-cursus/ 3 - JavaScript Language.pptx
+++ b/frontend-cursus/ 3 - JavaScript Language.pptx
@@ -5,7 +5,7 @@
     <p:sldMasterId id="2147483660" r:id="rId1"/>
   </p:sldMasterIdLst>
   <p:notesMasterIdLst>
-    <p:notesMasterId r:id="rId56"/>
+    <p:notesMasterId r:id="rId58"/>
   </p:notesMasterIdLst>
   <p:sldIdLst>
     <p:sldId id="256" r:id="rId2"/>
@@ -38,30 +38,32 @@
     <p:sldId id="283" r:id="rId29"/>
     <p:sldId id="284" r:id="rId30"/>
     <p:sldId id="285" r:id="rId31"/>
-    <p:sldId id="286" r:id="rId32"/>
-    <p:sldId id="287" r:id="rId33"/>
-    <p:sldId id="288" r:id="rId34"/>
-    <p:sldId id="289" r:id="rId35"/>
-    <p:sldId id="290" r:id="rId36"/>
-    <p:sldId id="291" r:id="rId37"/>
-    <p:sldId id="292" r:id="rId38"/>
-    <p:sldId id="293" r:id="rId39"/>
-    <p:sldId id="294" r:id="rId40"/>
-    <p:sldId id="295" r:id="rId41"/>
-    <p:sldId id="296" r:id="rId42"/>
-    <p:sldId id="297" r:id="rId43"/>
-    <p:sldId id="298" r:id="rId44"/>
-    <p:sldId id="299" r:id="rId45"/>
-    <p:sldId id="300" r:id="rId46"/>
-    <p:sldId id="301" r:id="rId47"/>
-    <p:sldId id="302" r:id="rId48"/>
-    <p:sldId id="303" r:id="rId49"/>
-    <p:sldId id="304" r:id="rId50"/>
-    <p:sldId id="305" r:id="rId51"/>
-    <p:sldId id="306" r:id="rId52"/>
-    <p:sldId id="307" r:id="rId53"/>
-    <p:sldId id="308" r:id="rId54"/>
-    <p:sldId id="309" r:id="rId55"/>
+    <p:sldId id="310" r:id="rId32"/>
+    <p:sldId id="286" r:id="rId33"/>
+    <p:sldId id="287" r:id="rId34"/>
+    <p:sldId id="288" r:id="rId35"/>
+    <p:sldId id="289" r:id="rId36"/>
+    <p:sldId id="290" r:id="rId37"/>
+    <p:sldId id="291" r:id="rId38"/>
+    <p:sldId id="292" r:id="rId39"/>
+    <p:sldId id="293" r:id="rId40"/>
+    <p:sldId id="294" r:id="rId41"/>
+    <p:sldId id="295" r:id="rId42"/>
+    <p:sldId id="296" r:id="rId43"/>
+    <p:sldId id="297" r:id="rId44"/>
+    <p:sldId id="298" r:id="rId45"/>
+    <p:sldId id="299" r:id="rId46"/>
+    <p:sldId id="300" r:id="rId47"/>
+    <p:sldId id="301" r:id="rId48"/>
+    <p:sldId id="302" r:id="rId49"/>
+    <p:sldId id="303" r:id="rId50"/>
+    <p:sldId id="311" r:id="rId51"/>
+    <p:sldId id="304" r:id="rId52"/>
+    <p:sldId id="305" r:id="rId53"/>
+    <p:sldId id="306" r:id="rId54"/>
+    <p:sldId id="307" r:id="rId55"/>
+    <p:sldId id="308" r:id="rId56"/>
+    <p:sldId id="309" r:id="rId57"/>
   </p:sldIdLst>
   <p:sldSz cx="9144000" cy="5143500" type="screen16x9"/>
   <p:notesSz cx="6858000" cy="9144000"/>
@@ -22349,15 +22351,6 @@
               </a:rPr>
               <a:t> object) { .. }</a:t>
             </a:r>
-            <a:endParaRPr lang="en-US" sz="2600" dirty="0">
-              <a:solidFill>
-                <a:srgbClr val="F8F8F8"/>
-              </a:solidFill>
-              <a:latin typeface="Consolas"/>
-              <a:ea typeface="Consolas"/>
-              <a:cs typeface="Consolas"/>
-              <a:sym typeface="Consolas"/>
-            </a:endParaRPr>
           </a:p>
         </p:txBody>
       </p:sp>
@@ -22377,6 +22370,260 @@
 </file>
 
 <file path=ppt/slides/slide31.xml><?xml version="1.0" encoding="utf-8"?>
+<p:sld xmlns:a="http://schemas.openxmlformats.org/drawingml/2006/main" xmlns:r="http://schemas.openxmlformats.org/officeDocument/2006/relationships" xmlns:p="http://schemas.openxmlformats.org/presentationml/2006/main">
+  <p:cSld>
+    <p:spTree>
+      <p:nvGrpSpPr>
+        <p:cNvPr id="1" name=""/>
+        <p:cNvGrpSpPr/>
+        <p:nvPr/>
+      </p:nvGrpSpPr>
+      <p:grpSpPr>
+        <a:xfrm>
+          <a:off x="0" y="0"/>
+          <a:ext cx="0" cy="0"/>
+          <a:chOff x="0" y="0"/>
+          <a:chExt cx="0" cy="0"/>
+        </a:xfrm>
+      </p:grpSpPr>
+      <p:sp>
+        <p:nvSpPr>
+          <p:cNvPr id="2" name="Title 1"/>
+          <p:cNvSpPr>
+            <a:spLocks noGrp="1"/>
+          </p:cNvSpPr>
+          <p:nvPr>
+            <p:ph type="title"/>
+          </p:nvPr>
+        </p:nvSpPr>
+        <p:spPr/>
+        <p:txBody>
+          <a:bodyPr/>
+          <a:lstStyle/>
+          <a:p>
+            <a:endParaRPr lang="en-US" dirty="0"/>
+          </a:p>
+        </p:txBody>
+      </p:sp>
+      <p:sp>
+        <p:nvSpPr>
+          <p:cNvPr id="3" name="Text Placeholder 2"/>
+          <p:cNvSpPr>
+            <a:spLocks noGrp="1"/>
+          </p:cNvSpPr>
+          <p:nvPr>
+            <p:ph type="body" idx="1"/>
+          </p:nvPr>
+        </p:nvSpPr>
+        <p:spPr/>
+        <p:txBody>
+          <a:bodyPr/>
+          <a:lstStyle/>
+          <a:p>
+            <a:r>
+              <a:rPr lang="mr-IN" dirty="0" err="1"/>
+              <a:t>let</a:t>
+            </a:r>
+            <a:r>
+              <a:rPr lang="mr-IN" dirty="0"/>
+              <a:t> </a:t>
+            </a:r>
+            <a:r>
+              <a:rPr lang="mr-IN" dirty="0" err="1"/>
+              <a:t>list</a:t>
+            </a:r>
+            <a:r>
+              <a:rPr lang="mr-IN" dirty="0"/>
+              <a:t> = [4, 5, 6</a:t>
+            </a:r>
+            <a:r>
+              <a:rPr lang="mr-IN" dirty="0" smtClean="0"/>
+              <a:t>];</a:t>
+            </a:r>
+            <a:endParaRPr lang="nl-NL" dirty="0" smtClean="0"/>
+          </a:p>
+          <a:p>
+            <a:r>
+              <a:rPr lang="mr-IN" dirty="0" smtClean="0"/>
+              <a:t> </a:t>
+            </a:r>
+            <a:r>
+              <a:rPr lang="mr-IN" dirty="0" err="1"/>
+              <a:t>for</a:t>
+            </a:r>
+            <a:r>
+              <a:rPr lang="mr-IN" dirty="0"/>
+              <a:t> (</a:t>
+            </a:r>
+            <a:r>
+              <a:rPr lang="mr-IN" dirty="0" err="1"/>
+              <a:t>let</a:t>
+            </a:r>
+            <a:r>
+              <a:rPr lang="mr-IN" dirty="0"/>
+              <a:t> </a:t>
+            </a:r>
+            <a:r>
+              <a:rPr lang="mr-IN" dirty="0" err="1"/>
+              <a:t>i</a:t>
+            </a:r>
+            <a:r>
+              <a:rPr lang="mr-IN" dirty="0"/>
+              <a:t> </a:t>
+            </a:r>
+            <a:r>
+              <a:rPr lang="mr-IN" dirty="0" err="1">
+                <a:solidFill>
+                  <a:srgbClr val="FFC000"/>
+                </a:solidFill>
+              </a:rPr>
+              <a:t>in</a:t>
+            </a:r>
+            <a:r>
+              <a:rPr lang="mr-IN" dirty="0"/>
+              <a:t> </a:t>
+            </a:r>
+            <a:r>
+              <a:rPr lang="mr-IN" dirty="0" err="1"/>
+              <a:t>list</a:t>
+            </a:r>
+            <a:r>
+              <a:rPr lang="mr-IN" dirty="0"/>
+              <a:t>) { </a:t>
+            </a:r>
+            <a:r>
+              <a:rPr lang="mr-IN" dirty="0" err="1" smtClean="0"/>
+              <a:t>console.log</a:t>
+            </a:r>
+            <a:r>
+              <a:rPr lang="mr-IN" dirty="0" smtClean="0"/>
+              <a:t>(</a:t>
+            </a:r>
+            <a:r>
+              <a:rPr lang="mr-IN" dirty="0" err="1" smtClean="0"/>
+              <a:t>i</a:t>
+            </a:r>
+            <a:r>
+              <a:rPr lang="mr-IN" dirty="0"/>
+              <a:t>); </a:t>
+            </a:r>
+            <a:r>
+              <a:rPr lang="mr-IN" dirty="0">
+                <a:solidFill>
+                  <a:srgbClr val="FFC000"/>
+                </a:solidFill>
+              </a:rPr>
+              <a:t>// "0", "1", "2</a:t>
+            </a:r>
+            <a:r>
+              <a:rPr lang="mr-IN" dirty="0" smtClean="0">
+                <a:solidFill>
+                  <a:srgbClr val="FFC000"/>
+                </a:solidFill>
+              </a:rPr>
+              <a:t>" </a:t>
+            </a:r>
+            <a:r>
+              <a:rPr lang="mr-IN" dirty="0"/>
+              <a:t>} </a:t>
+            </a:r>
+            <a:endParaRPr lang="nl-NL" dirty="0" smtClean="0"/>
+          </a:p>
+          <a:p>
+            <a:r>
+              <a:rPr lang="mr-IN" dirty="0" err="1" smtClean="0"/>
+              <a:t>for</a:t>
+            </a:r>
+            <a:r>
+              <a:rPr lang="mr-IN" dirty="0" smtClean="0"/>
+              <a:t> </a:t>
+            </a:r>
+            <a:r>
+              <a:rPr lang="mr-IN" dirty="0"/>
+              <a:t>(</a:t>
+            </a:r>
+            <a:r>
+              <a:rPr lang="mr-IN" dirty="0" err="1"/>
+              <a:t>let</a:t>
+            </a:r>
+            <a:r>
+              <a:rPr lang="mr-IN" dirty="0"/>
+              <a:t> </a:t>
+            </a:r>
+            <a:r>
+              <a:rPr lang="mr-IN" dirty="0" err="1"/>
+              <a:t>i</a:t>
+            </a:r>
+            <a:r>
+              <a:rPr lang="mr-IN" dirty="0"/>
+              <a:t> </a:t>
+            </a:r>
+            <a:r>
+              <a:rPr lang="mr-IN" dirty="0">
+                <a:solidFill>
+                  <a:srgbClr val="FFC000"/>
+                </a:solidFill>
+              </a:rPr>
+              <a:t>of</a:t>
+            </a:r>
+            <a:r>
+              <a:rPr lang="mr-IN" dirty="0"/>
+              <a:t> </a:t>
+            </a:r>
+            <a:r>
+              <a:rPr lang="mr-IN" dirty="0" err="1"/>
+              <a:t>list</a:t>
+            </a:r>
+            <a:r>
+              <a:rPr lang="mr-IN" dirty="0"/>
+              <a:t>) { </a:t>
+            </a:r>
+            <a:r>
+              <a:rPr lang="mr-IN" dirty="0" err="1"/>
+              <a:t>console.log</a:t>
+            </a:r>
+            <a:r>
+              <a:rPr lang="mr-IN" dirty="0"/>
+              <a:t>(</a:t>
+            </a:r>
+            <a:r>
+              <a:rPr lang="mr-IN" dirty="0" err="1"/>
+              <a:t>i</a:t>
+            </a:r>
+            <a:r>
+              <a:rPr lang="mr-IN" dirty="0"/>
+              <a:t>); </a:t>
+            </a:r>
+            <a:r>
+              <a:rPr lang="mr-IN" dirty="0">
+                <a:solidFill>
+                  <a:srgbClr val="FFC000"/>
+                </a:solidFill>
+              </a:rPr>
+              <a:t>// "4", "5", "6" </a:t>
+            </a:r>
+            <a:r>
+              <a:rPr lang="mr-IN" dirty="0"/>
+              <a:t>}</a:t>
+            </a:r>
+            <a:endParaRPr lang="en-US" dirty="0"/>
+          </a:p>
+        </p:txBody>
+      </p:sp>
+    </p:spTree>
+    <p:extLst>
+      <p:ext uri="{BB962C8B-B14F-4D97-AF65-F5344CB8AC3E}">
+        <p14:creationId xmlns:p14="http://schemas.microsoft.com/office/powerpoint/2010/main" val="647694920"/>
+      </p:ext>
+    </p:extLst>
+  </p:cSld>
+  <p:clrMapOvr>
+    <a:masterClrMapping/>
+  </p:clrMapOvr>
+</p:sld>
+</file>
+
+<file path=ppt/slides/slide32.xml><?xml version="1.0" encoding="utf-8"?>
 <p:sld xmlns:a="http://schemas.openxmlformats.org/drawingml/2006/main" xmlns:r="http://schemas.openxmlformats.org/officeDocument/2006/relationships" xmlns:p="http://schemas.openxmlformats.org/presentationml/2006/main">
   <p:cSld>
     <p:spTree>
@@ -22469,7 +22716,7 @@
 </p:sld>
 </file>
 
-<file path=ppt/slides/slide32.xml><?xml version="1.0" encoding="utf-8"?>
+<file path=ppt/slides/slide33.xml><?xml version="1.0" encoding="utf-8"?>
 <p:sld xmlns:a="http://schemas.openxmlformats.org/drawingml/2006/main" xmlns:r="http://schemas.openxmlformats.org/officeDocument/2006/relationships" xmlns:p="http://schemas.openxmlformats.org/presentationml/2006/main">
   <p:cSld>
     <p:spTree>
@@ -22764,7 +23011,7 @@
 </p:sld>
 </file>
 
-<file path=ppt/slides/slide33.xml><?xml version="1.0" encoding="utf-8"?>
+<file path=ppt/slides/slide34.xml><?xml version="1.0" encoding="utf-8"?>
 <p:sld xmlns:a="http://schemas.openxmlformats.org/drawingml/2006/main" xmlns:r="http://schemas.openxmlformats.org/officeDocument/2006/relationships" xmlns:p="http://schemas.openxmlformats.org/presentationml/2006/main">
   <p:cSld>
     <p:spTree>
@@ -23273,7 +23520,7 @@
 </p:sld>
 </file>
 
-<file path=ppt/slides/slide34.xml><?xml version="1.0" encoding="utf-8"?>
+<file path=ppt/slides/slide35.xml><?xml version="1.0" encoding="utf-8"?>
 <p:sld xmlns:a="http://schemas.openxmlformats.org/drawingml/2006/main" xmlns:r="http://schemas.openxmlformats.org/officeDocument/2006/relationships" xmlns:p="http://schemas.openxmlformats.org/presentationml/2006/main">
   <p:cSld>
     <p:spTree>
@@ -23366,7 +23613,7 @@
 </p:sld>
 </file>
 
-<file path=ppt/slides/slide35.xml><?xml version="1.0" encoding="utf-8"?>
+<file path=ppt/slides/slide36.xml><?xml version="1.0" encoding="utf-8"?>
 <p:sld xmlns:a="http://schemas.openxmlformats.org/drawingml/2006/main" xmlns:r="http://schemas.openxmlformats.org/officeDocument/2006/relationships" xmlns:p="http://schemas.openxmlformats.org/presentationml/2006/main">
   <p:cSld>
     <p:spTree>
@@ -24059,7 +24306,7 @@
 </p:sld>
 </file>
 
-<file path=ppt/slides/slide36.xml><?xml version="1.0" encoding="utf-8"?>
+<file path=ppt/slides/slide37.xml><?xml version="1.0" encoding="utf-8"?>
 <p:sld xmlns:a="http://schemas.openxmlformats.org/drawingml/2006/main" xmlns:r="http://schemas.openxmlformats.org/officeDocument/2006/relationships" xmlns:p="http://schemas.openxmlformats.org/presentationml/2006/main">
   <p:cSld>
     <p:spTree>
@@ -24877,7 +25124,7 @@
 </p:sld>
 </file>
 
-<file path=ppt/slides/slide37.xml><?xml version="1.0" encoding="utf-8"?>
+<file path=ppt/slides/slide38.xml><?xml version="1.0" encoding="utf-8"?>
 <p:sld xmlns:a="http://schemas.openxmlformats.org/drawingml/2006/main" xmlns:r="http://schemas.openxmlformats.org/officeDocument/2006/relationships" xmlns:p="http://schemas.openxmlformats.org/presentationml/2006/main">
   <p:cSld>
     <p:spTree>
@@ -24970,7 +25217,7 @@
 </p:sld>
 </file>
 
-<file path=ppt/slides/slide38.xml><?xml version="1.0" encoding="utf-8"?>
+<file path=ppt/slides/slide39.xml><?xml version="1.0" encoding="utf-8"?>
 <p:sld xmlns:a="http://schemas.openxmlformats.org/drawingml/2006/main" xmlns:r="http://schemas.openxmlformats.org/officeDocument/2006/relationships" xmlns:p="http://schemas.openxmlformats.org/presentationml/2006/main">
   <p:cSld>
     <p:spTree>
@@ -25413,580 +25660,6 @@
             </a:r>
             <a:r>
               <a:rPr lang="en-US" sz="2600" b="0" i="0" u="none" strike="noStrike" cap="none">
-                <a:solidFill>
-                  <a:srgbClr val="F8F8F8"/>
-                </a:solidFill>
-                <a:latin typeface="Consolas"/>
-                <a:ea typeface="Consolas"/>
-                <a:cs typeface="Consolas"/>
-                <a:sym typeface="Consolas"/>
-              </a:rPr>
-              <a:t>;</a:t>
-            </a:r>
-          </a:p>
-        </p:txBody>
-      </p:sp>
-    </p:spTree>
-  </p:cSld>
-  <p:clrMapOvr>
-    <a:masterClrMapping/>
-  </p:clrMapOvr>
-  <p:timing>
-    <p:tnLst>
-      <p:par>
-        <p:cTn id="1" dur="indefinite" restart="never" nodeType="tmRoot"/>
-      </p:par>
-    </p:tnLst>
-  </p:timing>
-</p:sld>
-</file>
-
-<file path=ppt/slides/slide39.xml><?xml version="1.0" encoding="utf-8"?>
-<p:sld xmlns:a="http://schemas.openxmlformats.org/drawingml/2006/main" xmlns:r="http://schemas.openxmlformats.org/officeDocument/2006/relationships" xmlns:p="http://schemas.openxmlformats.org/presentationml/2006/main">
-  <p:cSld>
-    <p:spTree>
-      <p:nvGrpSpPr>
-        <p:cNvPr id="1" name="Shape 285"/>
-        <p:cNvGrpSpPr/>
-        <p:nvPr/>
-      </p:nvGrpSpPr>
-      <p:grpSpPr>
-        <a:xfrm>
-          <a:off x="0" y="0"/>
-          <a:ext cx="0" cy="0"/>
-          <a:chOff x="0" y="0"/>
-          <a:chExt cx="0" cy="0"/>
-        </a:xfrm>
-      </p:grpSpPr>
-      <p:sp>
-        <p:nvSpPr>
-          <p:cNvPr id="286" name="Shape 286"/>
-          <p:cNvSpPr txBox="1">
-            <a:spLocks noGrp="1"/>
-          </p:cNvSpPr>
-          <p:nvPr>
-            <p:ph type="title"/>
-          </p:nvPr>
-        </p:nvSpPr>
-        <p:spPr>
-          <a:xfrm>
-            <a:off x="669726" y="133945"/>
-            <a:ext cx="7804500" cy="1138500"/>
-          </a:xfrm>
-          <a:prstGeom prst="rect">
-            <a:avLst/>
-          </a:prstGeom>
-          <a:noFill/>
-          <a:ln>
-            <a:noFill/>
-          </a:ln>
-        </p:spPr>
-        <p:txBody>
-          <a:bodyPr lIns="32750" tIns="32750" rIns="32750" bIns="32750" anchor="ctr" anchorCtr="0">
-            <a:noAutofit/>
-          </a:bodyPr>
-          <a:lstStyle/>
-          <a:p>
-            <a:pPr marL="0" marR="0" lvl="0" indent="0" algn="ctr" rtl="0">
-              <a:lnSpc>
-                <a:spcPct val="100000"/>
-              </a:lnSpc>
-              <a:spcBef>
-                <a:spcPts val="0"/>
-              </a:spcBef>
-              <a:spcAft>
-                <a:spcPts val="0"/>
-              </a:spcAft>
-              <a:buClr>
-                <a:srgbClr val="FFFFFF"/>
-              </a:buClr>
-              <a:buSzPct val="25000"/>
-              <a:buFont typeface="Helvetica Neue"/>
-              <a:buNone/>
-            </a:pPr>
-            <a:r>
-              <a:rPr lang="en-US" sz="4300" b="0" i="0" u="none" strike="noStrike" cap="none">
-                <a:solidFill>
-                  <a:srgbClr val="FFFFFF"/>
-                </a:solidFill>
-                <a:latin typeface="Helvetica Neue"/>
-                <a:ea typeface="Helvetica Neue"/>
-                <a:cs typeface="Helvetica Neue"/>
-                <a:sym typeface="Helvetica Neue"/>
-              </a:rPr>
-              <a:t>Associative Array /</a:t>
-            </a:r>
-          </a:p>
-          <a:p>
-            <a:pPr marL="0" marR="0" lvl="0" indent="0" algn="ctr" rtl="0">
-              <a:lnSpc>
-                <a:spcPct val="100000"/>
-              </a:lnSpc>
-              <a:spcBef>
-                <a:spcPts val="0"/>
-              </a:spcBef>
-              <a:spcAft>
-                <a:spcPts val="0"/>
-              </a:spcAft>
-              <a:buClr>
-                <a:srgbClr val="FFFFFF"/>
-              </a:buClr>
-              <a:buSzPct val="25000"/>
-              <a:buFont typeface="Helvetica Neue"/>
-              <a:buNone/>
-            </a:pPr>
-            <a:r>
-              <a:rPr lang="en-US" sz="4300" b="0" i="0" u="none" strike="noStrike" cap="none">
-                <a:solidFill>
-                  <a:srgbClr val="FFFFFF"/>
-                </a:solidFill>
-                <a:latin typeface="Helvetica Neue"/>
-                <a:ea typeface="Helvetica Neue"/>
-                <a:cs typeface="Helvetica Neue"/>
-                <a:sym typeface="Helvetica Neue"/>
-              </a:rPr>
-              <a:t>Dictionary</a:t>
-            </a:r>
-          </a:p>
-        </p:txBody>
-      </p:sp>
-      <p:sp>
-        <p:nvSpPr>
-          <p:cNvPr id="287" name="Shape 287"/>
-          <p:cNvSpPr/>
-          <p:nvPr/>
-        </p:nvSpPr>
-        <p:spPr>
-          <a:xfrm>
-            <a:off x="1978831" y="1902023"/>
-            <a:ext cx="4804589" cy="1339500"/>
-          </a:xfrm>
-          <a:prstGeom prst="rect">
-            <a:avLst/>
-          </a:prstGeom>
-          <a:noFill/>
-          <a:ln>
-            <a:noFill/>
-          </a:ln>
-        </p:spPr>
-        <p:txBody>
-          <a:bodyPr lIns="32750" tIns="32750" rIns="32750" bIns="32750" anchor="ctr" anchorCtr="0">
-            <a:noAutofit/>
-          </a:bodyPr>
-          <a:lstStyle/>
-          <a:p>
-            <a:pPr marL="0" marR="0" lvl="0" indent="0" algn="l" rtl="0">
-              <a:lnSpc>
-                <a:spcPct val="100000"/>
-              </a:lnSpc>
-              <a:spcBef>
-                <a:spcPts val="0"/>
-              </a:spcBef>
-              <a:spcAft>
-                <a:spcPts val="0"/>
-              </a:spcAft>
-              <a:buClr>
-                <a:srgbClr val="99CF50"/>
-              </a:buClr>
-              <a:buSzPct val="25000"/>
-              <a:buFont typeface="Consolas"/>
-              <a:buNone/>
-            </a:pPr>
-            <a:r>
-              <a:rPr lang="en-US" sz="2600" b="0" i="0" u="none" strike="noStrike" cap="none" dirty="0" err="1">
-                <a:solidFill>
-                  <a:srgbClr val="99CF50"/>
-                </a:solidFill>
-                <a:latin typeface="Consolas"/>
-                <a:ea typeface="Consolas"/>
-                <a:cs typeface="Consolas"/>
-                <a:sym typeface="Consolas"/>
-              </a:rPr>
-              <a:t>var</a:t>
-            </a:r>
-            <a:r>
-              <a:rPr lang="en-US" sz="2600" b="0" i="0" u="none" strike="noStrike" cap="none" dirty="0">
-                <a:solidFill>
-                  <a:srgbClr val="F8F8F8"/>
-                </a:solidFill>
-                <a:latin typeface="Consolas"/>
-                <a:ea typeface="Consolas"/>
-                <a:cs typeface="Consolas"/>
-                <a:sym typeface="Consolas"/>
-              </a:rPr>
-              <a:t> car </a:t>
-            </a:r>
-            <a:r>
-              <a:rPr lang="en-US" sz="2600" b="0" i="0" u="none" strike="noStrike" cap="none" dirty="0">
-                <a:solidFill>
-                  <a:srgbClr val="E28964"/>
-                </a:solidFill>
-                <a:latin typeface="Consolas"/>
-                <a:ea typeface="Consolas"/>
-                <a:cs typeface="Consolas"/>
-                <a:sym typeface="Consolas"/>
-              </a:rPr>
-              <a:t>=</a:t>
-            </a:r>
-            <a:r>
-              <a:rPr lang="en-US" sz="2600" b="0" i="0" u="none" strike="noStrike" cap="none" dirty="0">
-                <a:solidFill>
-                  <a:srgbClr val="F8F8F8"/>
-                </a:solidFill>
-                <a:latin typeface="Consolas"/>
-                <a:ea typeface="Consolas"/>
-                <a:cs typeface="Consolas"/>
-                <a:sym typeface="Consolas"/>
-              </a:rPr>
-              <a:t> </a:t>
-            </a:r>
-            <a:r>
-              <a:rPr lang="en-US" sz="2600" b="0" i="0" u="none" strike="noStrike" cap="none" dirty="0" smtClean="0">
-                <a:solidFill>
-                  <a:srgbClr val="E28964"/>
-                </a:solidFill>
-                <a:latin typeface="Consolas"/>
-                <a:ea typeface="Consolas"/>
-                <a:cs typeface="Consolas"/>
-                <a:sym typeface="Consolas"/>
-              </a:rPr>
-              <a:t>new</a:t>
-            </a:r>
-            <a:r>
-              <a:rPr lang="en-US" sz="2600" dirty="0">
-                <a:solidFill>
-                  <a:srgbClr val="F8F8F8"/>
-                </a:solidFill>
-                <a:latin typeface="Consolas"/>
-                <a:ea typeface="Consolas"/>
-                <a:cs typeface="Consolas"/>
-                <a:sym typeface="Consolas"/>
-              </a:rPr>
-              <a:t> </a:t>
-            </a:r>
-            <a:r>
-              <a:rPr lang="en-US" sz="2600" b="0" i="0" u="sng" strike="noStrike" cap="none" dirty="0" smtClean="0">
-                <a:solidFill>
-                  <a:srgbClr val="F8F8F8"/>
-                </a:solidFill>
-                <a:latin typeface="Consolas"/>
-                <a:ea typeface="Consolas"/>
-                <a:cs typeface="Consolas"/>
-                <a:sym typeface="Consolas"/>
-              </a:rPr>
-              <a:t>Object</a:t>
-            </a:r>
-            <a:r>
-              <a:rPr lang="en-US" sz="2600" b="0" i="0" u="none" strike="noStrike" cap="none" dirty="0">
-                <a:solidFill>
-                  <a:srgbClr val="F8F8F8"/>
-                </a:solidFill>
-                <a:latin typeface="Consolas"/>
-                <a:ea typeface="Consolas"/>
-                <a:cs typeface="Consolas"/>
-                <a:sym typeface="Consolas"/>
-              </a:rPr>
-              <a:t>();</a:t>
-            </a:r>
-          </a:p>
-          <a:p>
-            <a:pPr marL="0" marR="0" lvl="0" indent="0" algn="l" rtl="0">
-              <a:lnSpc>
-                <a:spcPct val="100000"/>
-              </a:lnSpc>
-              <a:spcBef>
-                <a:spcPts val="0"/>
-              </a:spcBef>
-              <a:spcAft>
-                <a:spcPts val="0"/>
-              </a:spcAft>
-              <a:buClr>
-                <a:srgbClr val="F8F8F8"/>
-              </a:buClr>
-              <a:buSzPct val="25000"/>
-              <a:buFont typeface="Consolas"/>
-              <a:buNone/>
-            </a:pPr>
-            <a:r>
-              <a:rPr lang="en-US" sz="2600" b="0" i="0" u="none" strike="noStrike" cap="none" dirty="0">
-                <a:solidFill>
-                  <a:srgbClr val="F8F8F8"/>
-                </a:solidFill>
-                <a:latin typeface="Consolas"/>
-                <a:ea typeface="Consolas"/>
-                <a:cs typeface="Consolas"/>
-                <a:sym typeface="Consolas"/>
-              </a:rPr>
-              <a:t>car[</a:t>
-            </a:r>
-            <a:r>
-              <a:rPr lang="en-US" sz="2600" b="0" i="0" u="none" strike="noStrike" cap="none" dirty="0">
-                <a:solidFill>
-                  <a:srgbClr val="65B042"/>
-                </a:solidFill>
-                <a:latin typeface="Consolas"/>
-                <a:ea typeface="Consolas"/>
-                <a:cs typeface="Consolas"/>
-                <a:sym typeface="Consolas"/>
-              </a:rPr>
-              <a:t>'make'</a:t>
-            </a:r>
-            <a:r>
-              <a:rPr lang="en-US" sz="2600" b="0" i="0" u="none" strike="noStrike" cap="none" dirty="0">
-                <a:solidFill>
-                  <a:srgbClr val="F8F8F8"/>
-                </a:solidFill>
-                <a:latin typeface="Consolas"/>
-                <a:ea typeface="Consolas"/>
-                <a:cs typeface="Consolas"/>
-                <a:sym typeface="Consolas"/>
-              </a:rPr>
-              <a:t>] </a:t>
-            </a:r>
-            <a:r>
-              <a:rPr lang="en-US" sz="2600" b="0" i="0" u="none" strike="noStrike" cap="none" dirty="0">
-                <a:solidFill>
-                  <a:srgbClr val="E28964"/>
-                </a:solidFill>
-                <a:latin typeface="Consolas"/>
-                <a:ea typeface="Consolas"/>
-                <a:cs typeface="Consolas"/>
-                <a:sym typeface="Consolas"/>
-              </a:rPr>
-              <a:t>=</a:t>
-            </a:r>
-            <a:r>
-              <a:rPr lang="en-US" sz="2600" b="0" i="0" u="none" strike="noStrike" cap="none" dirty="0">
-                <a:solidFill>
-                  <a:srgbClr val="F8F8F8"/>
-                </a:solidFill>
-                <a:latin typeface="Consolas"/>
-                <a:ea typeface="Consolas"/>
-                <a:cs typeface="Consolas"/>
-                <a:sym typeface="Consolas"/>
-              </a:rPr>
-              <a:t> </a:t>
-            </a:r>
-            <a:r>
-              <a:rPr lang="en-US" sz="2600" b="0" i="0" u="none" strike="noStrike" cap="none" dirty="0">
-                <a:solidFill>
-                  <a:srgbClr val="65B042"/>
-                </a:solidFill>
-                <a:latin typeface="Consolas"/>
-                <a:ea typeface="Consolas"/>
-                <a:cs typeface="Consolas"/>
-                <a:sym typeface="Consolas"/>
-              </a:rPr>
-              <a:t>'Ford'</a:t>
-            </a:r>
-            <a:r>
-              <a:rPr lang="en-US" sz="2600" b="0" i="0" u="none" strike="noStrike" cap="none" dirty="0">
-                <a:solidFill>
-                  <a:srgbClr val="F8F8F8"/>
-                </a:solidFill>
-                <a:latin typeface="Consolas"/>
-                <a:ea typeface="Consolas"/>
-                <a:cs typeface="Consolas"/>
-                <a:sym typeface="Consolas"/>
-              </a:rPr>
-              <a:t>;</a:t>
-            </a:r>
-          </a:p>
-          <a:p>
-            <a:pPr marL="0" marR="0" lvl="0" indent="0" algn="l" rtl="0">
-              <a:lnSpc>
-                <a:spcPct val="100000"/>
-              </a:lnSpc>
-              <a:spcBef>
-                <a:spcPts val="0"/>
-              </a:spcBef>
-              <a:spcAft>
-                <a:spcPts val="0"/>
-              </a:spcAft>
-              <a:buClr>
-                <a:srgbClr val="F8F8F8"/>
-              </a:buClr>
-              <a:buSzPct val="25000"/>
-              <a:buFont typeface="Consolas"/>
-              <a:buNone/>
-            </a:pPr>
-            <a:r>
-              <a:rPr lang="en-US" sz="2600" b="0" i="0" u="none" strike="noStrike" cap="none" dirty="0">
-                <a:solidFill>
-                  <a:srgbClr val="F8F8F8"/>
-                </a:solidFill>
-                <a:latin typeface="Consolas"/>
-                <a:ea typeface="Consolas"/>
-                <a:cs typeface="Consolas"/>
-                <a:sym typeface="Consolas"/>
-              </a:rPr>
-              <a:t>car[</a:t>
-            </a:r>
-            <a:r>
-              <a:rPr lang="en-US" sz="2600" b="0" i="0" u="none" strike="noStrike" cap="none" dirty="0">
-                <a:solidFill>
-                  <a:srgbClr val="65B042"/>
-                </a:solidFill>
-                <a:latin typeface="Consolas"/>
-                <a:ea typeface="Consolas"/>
-                <a:cs typeface="Consolas"/>
-                <a:sym typeface="Consolas"/>
-              </a:rPr>
-              <a:t>'model'</a:t>
-            </a:r>
-            <a:r>
-              <a:rPr lang="en-US" sz="2600" b="0" i="0" u="none" strike="noStrike" cap="none" dirty="0">
-                <a:solidFill>
-                  <a:srgbClr val="F8F8F8"/>
-                </a:solidFill>
-                <a:latin typeface="Consolas"/>
-                <a:ea typeface="Consolas"/>
-                <a:cs typeface="Consolas"/>
-                <a:sym typeface="Consolas"/>
-              </a:rPr>
-              <a:t>] </a:t>
-            </a:r>
-            <a:r>
-              <a:rPr lang="en-US" sz="2600" b="0" i="0" u="none" strike="noStrike" cap="none" dirty="0">
-                <a:solidFill>
-                  <a:srgbClr val="E28964"/>
-                </a:solidFill>
-                <a:latin typeface="Consolas"/>
-                <a:ea typeface="Consolas"/>
-                <a:cs typeface="Consolas"/>
-                <a:sym typeface="Consolas"/>
-              </a:rPr>
-              <a:t>=</a:t>
-            </a:r>
-            <a:r>
-              <a:rPr lang="en-US" sz="2600" b="0" i="0" u="none" strike="noStrike" cap="none" dirty="0">
-                <a:solidFill>
-                  <a:srgbClr val="F8F8F8"/>
-                </a:solidFill>
-                <a:latin typeface="Consolas"/>
-                <a:ea typeface="Consolas"/>
-                <a:cs typeface="Consolas"/>
-                <a:sym typeface="Consolas"/>
-              </a:rPr>
-              <a:t> </a:t>
-            </a:r>
-            <a:r>
-              <a:rPr lang="en-US" sz="2600" b="0" i="0" u="none" strike="noStrike" cap="none" dirty="0">
-                <a:solidFill>
-                  <a:srgbClr val="65B042"/>
-                </a:solidFill>
-                <a:latin typeface="Consolas"/>
-                <a:ea typeface="Consolas"/>
-                <a:cs typeface="Consolas"/>
-                <a:sym typeface="Consolas"/>
-              </a:rPr>
-              <a:t>'Mustang'</a:t>
-            </a:r>
-            <a:r>
-              <a:rPr lang="en-US" sz="2600" b="0" i="0" u="none" strike="noStrike" cap="none" dirty="0">
-                <a:solidFill>
-                  <a:srgbClr val="F8F8F8"/>
-                </a:solidFill>
-                <a:latin typeface="Consolas"/>
-                <a:ea typeface="Consolas"/>
-                <a:cs typeface="Consolas"/>
-                <a:sym typeface="Consolas"/>
-              </a:rPr>
-              <a:t>;</a:t>
-            </a:r>
-          </a:p>
-          <a:p>
-            <a:pPr marL="0" marR="0" lvl="0" indent="0" algn="l" rtl="0">
-              <a:lnSpc>
-                <a:spcPct val="100000"/>
-              </a:lnSpc>
-              <a:spcBef>
-                <a:spcPts val="0"/>
-              </a:spcBef>
-              <a:spcAft>
-                <a:spcPts val="0"/>
-              </a:spcAft>
-              <a:buClr>
-                <a:srgbClr val="F8F8F8"/>
-              </a:buClr>
-              <a:buSzPct val="25000"/>
-              <a:buFont typeface="Consolas"/>
-              <a:buNone/>
-            </a:pPr>
-            <a:r>
-              <a:rPr lang="en-US" sz="2600" b="0" i="0" u="none" strike="noStrike" cap="none" dirty="0">
-                <a:solidFill>
-                  <a:srgbClr val="F8F8F8"/>
-                </a:solidFill>
-                <a:latin typeface="Consolas"/>
-                <a:ea typeface="Consolas"/>
-                <a:cs typeface="Consolas"/>
-                <a:sym typeface="Consolas"/>
-              </a:rPr>
-              <a:t>car[</a:t>
-            </a:r>
-            <a:r>
-              <a:rPr lang="en-US" sz="2600" b="0" i="0" u="none" strike="noStrike" cap="none" dirty="0">
-                <a:solidFill>
-                  <a:srgbClr val="65B042"/>
-                </a:solidFill>
-                <a:latin typeface="Consolas"/>
-                <a:ea typeface="Consolas"/>
-                <a:cs typeface="Consolas"/>
-                <a:sym typeface="Consolas"/>
-              </a:rPr>
-              <a:t>'year'</a:t>
-            </a:r>
-            <a:r>
-              <a:rPr lang="en-US" sz="2600" b="0" i="0" u="none" strike="noStrike" cap="none" dirty="0">
-                <a:solidFill>
-                  <a:srgbClr val="F8F8F8"/>
-                </a:solidFill>
-                <a:latin typeface="Consolas"/>
-                <a:ea typeface="Consolas"/>
-                <a:cs typeface="Consolas"/>
-                <a:sym typeface="Consolas"/>
-              </a:rPr>
-              <a:t>] </a:t>
-            </a:r>
-            <a:r>
-              <a:rPr lang="en-US" sz="2600" b="0" i="0" u="none" strike="noStrike" cap="none" dirty="0">
-                <a:solidFill>
-                  <a:srgbClr val="E28964"/>
-                </a:solidFill>
-                <a:latin typeface="Consolas"/>
-                <a:ea typeface="Consolas"/>
-                <a:cs typeface="Consolas"/>
-                <a:sym typeface="Consolas"/>
-              </a:rPr>
-              <a:t>=</a:t>
-            </a:r>
-            <a:r>
-              <a:rPr lang="en-US" sz="2600" b="0" i="0" u="none" strike="noStrike" cap="none" dirty="0">
-                <a:solidFill>
-                  <a:srgbClr val="F8F8F8"/>
-                </a:solidFill>
-                <a:latin typeface="Consolas"/>
-                <a:ea typeface="Consolas"/>
-                <a:cs typeface="Consolas"/>
-                <a:sym typeface="Consolas"/>
-              </a:rPr>
-              <a:t> </a:t>
-            </a:r>
-            <a:r>
-              <a:rPr lang="en-US" sz="2600" b="0" i="0" u="none" strike="noStrike" cap="none" dirty="0">
-                <a:solidFill>
-                  <a:srgbClr val="3387CC"/>
-                </a:solidFill>
-                <a:latin typeface="Consolas"/>
-                <a:ea typeface="Consolas"/>
-                <a:cs typeface="Consolas"/>
-                <a:sym typeface="Consolas"/>
-              </a:rPr>
-              <a:t>1969</a:t>
-            </a:r>
-            <a:r>
-              <a:rPr lang="en-US" sz="2600" b="0" i="0" u="none" strike="noStrike" cap="none" dirty="0">
                 <a:solidFill>
                   <a:srgbClr val="F8F8F8"/>
                 </a:solidFill>
@@ -26140,6 +25813,580 @@
   <p:cSld>
     <p:spTree>
       <p:nvGrpSpPr>
+        <p:cNvPr id="1" name="Shape 285"/>
+        <p:cNvGrpSpPr/>
+        <p:nvPr/>
+      </p:nvGrpSpPr>
+      <p:grpSpPr>
+        <a:xfrm>
+          <a:off x="0" y="0"/>
+          <a:ext cx="0" cy="0"/>
+          <a:chOff x="0" y="0"/>
+          <a:chExt cx="0" cy="0"/>
+        </a:xfrm>
+      </p:grpSpPr>
+      <p:sp>
+        <p:nvSpPr>
+          <p:cNvPr id="286" name="Shape 286"/>
+          <p:cNvSpPr txBox="1">
+            <a:spLocks noGrp="1"/>
+          </p:cNvSpPr>
+          <p:nvPr>
+            <p:ph type="title"/>
+          </p:nvPr>
+        </p:nvSpPr>
+        <p:spPr>
+          <a:xfrm>
+            <a:off x="669726" y="133945"/>
+            <a:ext cx="7804500" cy="1138500"/>
+          </a:xfrm>
+          <a:prstGeom prst="rect">
+            <a:avLst/>
+          </a:prstGeom>
+          <a:noFill/>
+          <a:ln>
+            <a:noFill/>
+          </a:ln>
+        </p:spPr>
+        <p:txBody>
+          <a:bodyPr lIns="32750" tIns="32750" rIns="32750" bIns="32750" anchor="ctr" anchorCtr="0">
+            <a:noAutofit/>
+          </a:bodyPr>
+          <a:lstStyle/>
+          <a:p>
+            <a:pPr marL="0" marR="0" lvl="0" indent="0" algn="ctr" rtl="0">
+              <a:lnSpc>
+                <a:spcPct val="100000"/>
+              </a:lnSpc>
+              <a:spcBef>
+                <a:spcPts val="0"/>
+              </a:spcBef>
+              <a:spcAft>
+                <a:spcPts val="0"/>
+              </a:spcAft>
+              <a:buClr>
+                <a:srgbClr val="FFFFFF"/>
+              </a:buClr>
+              <a:buSzPct val="25000"/>
+              <a:buFont typeface="Helvetica Neue"/>
+              <a:buNone/>
+            </a:pPr>
+            <a:r>
+              <a:rPr lang="en-US" sz="4300" b="0" i="0" u="none" strike="noStrike" cap="none">
+                <a:solidFill>
+                  <a:srgbClr val="FFFFFF"/>
+                </a:solidFill>
+                <a:latin typeface="Helvetica Neue"/>
+                <a:ea typeface="Helvetica Neue"/>
+                <a:cs typeface="Helvetica Neue"/>
+                <a:sym typeface="Helvetica Neue"/>
+              </a:rPr>
+              <a:t>Associative Array /</a:t>
+            </a:r>
+          </a:p>
+          <a:p>
+            <a:pPr marL="0" marR="0" lvl="0" indent="0" algn="ctr" rtl="0">
+              <a:lnSpc>
+                <a:spcPct val="100000"/>
+              </a:lnSpc>
+              <a:spcBef>
+                <a:spcPts val="0"/>
+              </a:spcBef>
+              <a:spcAft>
+                <a:spcPts val="0"/>
+              </a:spcAft>
+              <a:buClr>
+                <a:srgbClr val="FFFFFF"/>
+              </a:buClr>
+              <a:buSzPct val="25000"/>
+              <a:buFont typeface="Helvetica Neue"/>
+              <a:buNone/>
+            </a:pPr>
+            <a:r>
+              <a:rPr lang="en-US" sz="4300" b="0" i="0" u="none" strike="noStrike" cap="none">
+                <a:solidFill>
+                  <a:srgbClr val="FFFFFF"/>
+                </a:solidFill>
+                <a:latin typeface="Helvetica Neue"/>
+                <a:ea typeface="Helvetica Neue"/>
+                <a:cs typeface="Helvetica Neue"/>
+                <a:sym typeface="Helvetica Neue"/>
+              </a:rPr>
+              <a:t>Dictionary</a:t>
+            </a:r>
+          </a:p>
+        </p:txBody>
+      </p:sp>
+      <p:sp>
+        <p:nvSpPr>
+          <p:cNvPr id="287" name="Shape 287"/>
+          <p:cNvSpPr/>
+          <p:nvPr/>
+        </p:nvSpPr>
+        <p:spPr>
+          <a:xfrm>
+            <a:off x="1978831" y="1902023"/>
+            <a:ext cx="4804589" cy="1339500"/>
+          </a:xfrm>
+          <a:prstGeom prst="rect">
+            <a:avLst/>
+          </a:prstGeom>
+          <a:noFill/>
+          <a:ln>
+            <a:noFill/>
+          </a:ln>
+        </p:spPr>
+        <p:txBody>
+          <a:bodyPr lIns="32750" tIns="32750" rIns="32750" bIns="32750" anchor="ctr" anchorCtr="0">
+            <a:noAutofit/>
+          </a:bodyPr>
+          <a:lstStyle/>
+          <a:p>
+            <a:pPr marL="0" marR="0" lvl="0" indent="0" algn="l" rtl="0">
+              <a:lnSpc>
+                <a:spcPct val="100000"/>
+              </a:lnSpc>
+              <a:spcBef>
+                <a:spcPts val="0"/>
+              </a:spcBef>
+              <a:spcAft>
+                <a:spcPts val="0"/>
+              </a:spcAft>
+              <a:buClr>
+                <a:srgbClr val="99CF50"/>
+              </a:buClr>
+              <a:buSzPct val="25000"/>
+              <a:buFont typeface="Consolas"/>
+              <a:buNone/>
+            </a:pPr>
+            <a:r>
+              <a:rPr lang="en-US" sz="2600" b="0" i="0" u="none" strike="noStrike" cap="none" dirty="0" err="1">
+                <a:solidFill>
+                  <a:srgbClr val="99CF50"/>
+                </a:solidFill>
+                <a:latin typeface="Consolas"/>
+                <a:ea typeface="Consolas"/>
+                <a:cs typeface="Consolas"/>
+                <a:sym typeface="Consolas"/>
+              </a:rPr>
+              <a:t>var</a:t>
+            </a:r>
+            <a:r>
+              <a:rPr lang="en-US" sz="2600" b="0" i="0" u="none" strike="noStrike" cap="none" dirty="0">
+                <a:solidFill>
+                  <a:srgbClr val="F8F8F8"/>
+                </a:solidFill>
+                <a:latin typeface="Consolas"/>
+                <a:ea typeface="Consolas"/>
+                <a:cs typeface="Consolas"/>
+                <a:sym typeface="Consolas"/>
+              </a:rPr>
+              <a:t> car </a:t>
+            </a:r>
+            <a:r>
+              <a:rPr lang="en-US" sz="2600" b="0" i="0" u="none" strike="noStrike" cap="none" dirty="0">
+                <a:solidFill>
+                  <a:srgbClr val="E28964"/>
+                </a:solidFill>
+                <a:latin typeface="Consolas"/>
+                <a:ea typeface="Consolas"/>
+                <a:cs typeface="Consolas"/>
+                <a:sym typeface="Consolas"/>
+              </a:rPr>
+              <a:t>=</a:t>
+            </a:r>
+            <a:r>
+              <a:rPr lang="en-US" sz="2600" b="0" i="0" u="none" strike="noStrike" cap="none" dirty="0">
+                <a:solidFill>
+                  <a:srgbClr val="F8F8F8"/>
+                </a:solidFill>
+                <a:latin typeface="Consolas"/>
+                <a:ea typeface="Consolas"/>
+                <a:cs typeface="Consolas"/>
+                <a:sym typeface="Consolas"/>
+              </a:rPr>
+              <a:t> </a:t>
+            </a:r>
+            <a:r>
+              <a:rPr lang="en-US" sz="2600" b="0" i="0" u="none" strike="noStrike" cap="none" dirty="0" smtClean="0">
+                <a:solidFill>
+                  <a:srgbClr val="E28964"/>
+                </a:solidFill>
+                <a:latin typeface="Consolas"/>
+                <a:ea typeface="Consolas"/>
+                <a:cs typeface="Consolas"/>
+                <a:sym typeface="Consolas"/>
+              </a:rPr>
+              <a:t>new</a:t>
+            </a:r>
+            <a:r>
+              <a:rPr lang="en-US" sz="2600" dirty="0">
+                <a:solidFill>
+                  <a:srgbClr val="F8F8F8"/>
+                </a:solidFill>
+                <a:latin typeface="Consolas"/>
+                <a:ea typeface="Consolas"/>
+                <a:cs typeface="Consolas"/>
+                <a:sym typeface="Consolas"/>
+              </a:rPr>
+              <a:t> </a:t>
+            </a:r>
+            <a:r>
+              <a:rPr lang="en-US" sz="2600" b="0" i="0" u="sng" strike="noStrike" cap="none" dirty="0" smtClean="0">
+                <a:solidFill>
+                  <a:srgbClr val="F8F8F8"/>
+                </a:solidFill>
+                <a:latin typeface="Consolas"/>
+                <a:ea typeface="Consolas"/>
+                <a:cs typeface="Consolas"/>
+                <a:sym typeface="Consolas"/>
+              </a:rPr>
+              <a:t>Object</a:t>
+            </a:r>
+            <a:r>
+              <a:rPr lang="en-US" sz="2600" b="0" i="0" u="none" strike="noStrike" cap="none" dirty="0">
+                <a:solidFill>
+                  <a:srgbClr val="F8F8F8"/>
+                </a:solidFill>
+                <a:latin typeface="Consolas"/>
+                <a:ea typeface="Consolas"/>
+                <a:cs typeface="Consolas"/>
+                <a:sym typeface="Consolas"/>
+              </a:rPr>
+              <a:t>();</a:t>
+            </a:r>
+          </a:p>
+          <a:p>
+            <a:pPr marL="0" marR="0" lvl="0" indent="0" algn="l" rtl="0">
+              <a:lnSpc>
+                <a:spcPct val="100000"/>
+              </a:lnSpc>
+              <a:spcBef>
+                <a:spcPts val="0"/>
+              </a:spcBef>
+              <a:spcAft>
+                <a:spcPts val="0"/>
+              </a:spcAft>
+              <a:buClr>
+                <a:srgbClr val="F8F8F8"/>
+              </a:buClr>
+              <a:buSzPct val="25000"/>
+              <a:buFont typeface="Consolas"/>
+              <a:buNone/>
+            </a:pPr>
+            <a:r>
+              <a:rPr lang="en-US" sz="2600" b="0" i="0" u="none" strike="noStrike" cap="none" dirty="0">
+                <a:solidFill>
+                  <a:srgbClr val="F8F8F8"/>
+                </a:solidFill>
+                <a:latin typeface="Consolas"/>
+                <a:ea typeface="Consolas"/>
+                <a:cs typeface="Consolas"/>
+                <a:sym typeface="Consolas"/>
+              </a:rPr>
+              <a:t>car[</a:t>
+            </a:r>
+            <a:r>
+              <a:rPr lang="en-US" sz="2600" b="0" i="0" u="none" strike="noStrike" cap="none" dirty="0">
+                <a:solidFill>
+                  <a:srgbClr val="65B042"/>
+                </a:solidFill>
+                <a:latin typeface="Consolas"/>
+                <a:ea typeface="Consolas"/>
+                <a:cs typeface="Consolas"/>
+                <a:sym typeface="Consolas"/>
+              </a:rPr>
+              <a:t>'make'</a:t>
+            </a:r>
+            <a:r>
+              <a:rPr lang="en-US" sz="2600" b="0" i="0" u="none" strike="noStrike" cap="none" dirty="0">
+                <a:solidFill>
+                  <a:srgbClr val="F8F8F8"/>
+                </a:solidFill>
+                <a:latin typeface="Consolas"/>
+                <a:ea typeface="Consolas"/>
+                <a:cs typeface="Consolas"/>
+                <a:sym typeface="Consolas"/>
+              </a:rPr>
+              <a:t>] </a:t>
+            </a:r>
+            <a:r>
+              <a:rPr lang="en-US" sz="2600" b="0" i="0" u="none" strike="noStrike" cap="none" dirty="0">
+                <a:solidFill>
+                  <a:srgbClr val="E28964"/>
+                </a:solidFill>
+                <a:latin typeface="Consolas"/>
+                <a:ea typeface="Consolas"/>
+                <a:cs typeface="Consolas"/>
+                <a:sym typeface="Consolas"/>
+              </a:rPr>
+              <a:t>=</a:t>
+            </a:r>
+            <a:r>
+              <a:rPr lang="en-US" sz="2600" b="0" i="0" u="none" strike="noStrike" cap="none" dirty="0">
+                <a:solidFill>
+                  <a:srgbClr val="F8F8F8"/>
+                </a:solidFill>
+                <a:latin typeface="Consolas"/>
+                <a:ea typeface="Consolas"/>
+                <a:cs typeface="Consolas"/>
+                <a:sym typeface="Consolas"/>
+              </a:rPr>
+              <a:t> </a:t>
+            </a:r>
+            <a:r>
+              <a:rPr lang="en-US" sz="2600" b="0" i="0" u="none" strike="noStrike" cap="none" dirty="0">
+                <a:solidFill>
+                  <a:srgbClr val="65B042"/>
+                </a:solidFill>
+                <a:latin typeface="Consolas"/>
+                <a:ea typeface="Consolas"/>
+                <a:cs typeface="Consolas"/>
+                <a:sym typeface="Consolas"/>
+              </a:rPr>
+              <a:t>'Ford'</a:t>
+            </a:r>
+            <a:r>
+              <a:rPr lang="en-US" sz="2600" b="0" i="0" u="none" strike="noStrike" cap="none" dirty="0">
+                <a:solidFill>
+                  <a:srgbClr val="F8F8F8"/>
+                </a:solidFill>
+                <a:latin typeface="Consolas"/>
+                <a:ea typeface="Consolas"/>
+                <a:cs typeface="Consolas"/>
+                <a:sym typeface="Consolas"/>
+              </a:rPr>
+              <a:t>;</a:t>
+            </a:r>
+          </a:p>
+          <a:p>
+            <a:pPr marL="0" marR="0" lvl="0" indent="0" algn="l" rtl="0">
+              <a:lnSpc>
+                <a:spcPct val="100000"/>
+              </a:lnSpc>
+              <a:spcBef>
+                <a:spcPts val="0"/>
+              </a:spcBef>
+              <a:spcAft>
+                <a:spcPts val="0"/>
+              </a:spcAft>
+              <a:buClr>
+                <a:srgbClr val="F8F8F8"/>
+              </a:buClr>
+              <a:buSzPct val="25000"/>
+              <a:buFont typeface="Consolas"/>
+              <a:buNone/>
+            </a:pPr>
+            <a:r>
+              <a:rPr lang="en-US" sz="2600" b="0" i="0" u="none" strike="noStrike" cap="none" dirty="0">
+                <a:solidFill>
+                  <a:srgbClr val="F8F8F8"/>
+                </a:solidFill>
+                <a:latin typeface="Consolas"/>
+                <a:ea typeface="Consolas"/>
+                <a:cs typeface="Consolas"/>
+                <a:sym typeface="Consolas"/>
+              </a:rPr>
+              <a:t>car[</a:t>
+            </a:r>
+            <a:r>
+              <a:rPr lang="en-US" sz="2600" b="0" i="0" u="none" strike="noStrike" cap="none" dirty="0">
+                <a:solidFill>
+                  <a:srgbClr val="65B042"/>
+                </a:solidFill>
+                <a:latin typeface="Consolas"/>
+                <a:ea typeface="Consolas"/>
+                <a:cs typeface="Consolas"/>
+                <a:sym typeface="Consolas"/>
+              </a:rPr>
+              <a:t>'model'</a:t>
+            </a:r>
+            <a:r>
+              <a:rPr lang="en-US" sz="2600" b="0" i="0" u="none" strike="noStrike" cap="none" dirty="0">
+                <a:solidFill>
+                  <a:srgbClr val="F8F8F8"/>
+                </a:solidFill>
+                <a:latin typeface="Consolas"/>
+                <a:ea typeface="Consolas"/>
+                <a:cs typeface="Consolas"/>
+                <a:sym typeface="Consolas"/>
+              </a:rPr>
+              <a:t>] </a:t>
+            </a:r>
+            <a:r>
+              <a:rPr lang="en-US" sz="2600" b="0" i="0" u="none" strike="noStrike" cap="none" dirty="0">
+                <a:solidFill>
+                  <a:srgbClr val="E28964"/>
+                </a:solidFill>
+                <a:latin typeface="Consolas"/>
+                <a:ea typeface="Consolas"/>
+                <a:cs typeface="Consolas"/>
+                <a:sym typeface="Consolas"/>
+              </a:rPr>
+              <a:t>=</a:t>
+            </a:r>
+            <a:r>
+              <a:rPr lang="en-US" sz="2600" b="0" i="0" u="none" strike="noStrike" cap="none" dirty="0">
+                <a:solidFill>
+                  <a:srgbClr val="F8F8F8"/>
+                </a:solidFill>
+                <a:latin typeface="Consolas"/>
+                <a:ea typeface="Consolas"/>
+                <a:cs typeface="Consolas"/>
+                <a:sym typeface="Consolas"/>
+              </a:rPr>
+              <a:t> </a:t>
+            </a:r>
+            <a:r>
+              <a:rPr lang="en-US" sz="2600" b="0" i="0" u="none" strike="noStrike" cap="none" dirty="0">
+                <a:solidFill>
+                  <a:srgbClr val="65B042"/>
+                </a:solidFill>
+                <a:latin typeface="Consolas"/>
+                <a:ea typeface="Consolas"/>
+                <a:cs typeface="Consolas"/>
+                <a:sym typeface="Consolas"/>
+              </a:rPr>
+              <a:t>'Mustang'</a:t>
+            </a:r>
+            <a:r>
+              <a:rPr lang="en-US" sz="2600" b="0" i="0" u="none" strike="noStrike" cap="none" dirty="0">
+                <a:solidFill>
+                  <a:srgbClr val="F8F8F8"/>
+                </a:solidFill>
+                <a:latin typeface="Consolas"/>
+                <a:ea typeface="Consolas"/>
+                <a:cs typeface="Consolas"/>
+                <a:sym typeface="Consolas"/>
+              </a:rPr>
+              <a:t>;</a:t>
+            </a:r>
+          </a:p>
+          <a:p>
+            <a:pPr marL="0" marR="0" lvl="0" indent="0" algn="l" rtl="0">
+              <a:lnSpc>
+                <a:spcPct val="100000"/>
+              </a:lnSpc>
+              <a:spcBef>
+                <a:spcPts val="0"/>
+              </a:spcBef>
+              <a:spcAft>
+                <a:spcPts val="0"/>
+              </a:spcAft>
+              <a:buClr>
+                <a:srgbClr val="F8F8F8"/>
+              </a:buClr>
+              <a:buSzPct val="25000"/>
+              <a:buFont typeface="Consolas"/>
+              <a:buNone/>
+            </a:pPr>
+            <a:r>
+              <a:rPr lang="en-US" sz="2600" b="0" i="0" u="none" strike="noStrike" cap="none" dirty="0">
+                <a:solidFill>
+                  <a:srgbClr val="F8F8F8"/>
+                </a:solidFill>
+                <a:latin typeface="Consolas"/>
+                <a:ea typeface="Consolas"/>
+                <a:cs typeface="Consolas"/>
+                <a:sym typeface="Consolas"/>
+              </a:rPr>
+              <a:t>car[</a:t>
+            </a:r>
+            <a:r>
+              <a:rPr lang="en-US" sz="2600" b="0" i="0" u="none" strike="noStrike" cap="none" dirty="0">
+                <a:solidFill>
+                  <a:srgbClr val="65B042"/>
+                </a:solidFill>
+                <a:latin typeface="Consolas"/>
+                <a:ea typeface="Consolas"/>
+                <a:cs typeface="Consolas"/>
+                <a:sym typeface="Consolas"/>
+              </a:rPr>
+              <a:t>'year'</a:t>
+            </a:r>
+            <a:r>
+              <a:rPr lang="en-US" sz="2600" b="0" i="0" u="none" strike="noStrike" cap="none" dirty="0">
+                <a:solidFill>
+                  <a:srgbClr val="F8F8F8"/>
+                </a:solidFill>
+                <a:latin typeface="Consolas"/>
+                <a:ea typeface="Consolas"/>
+                <a:cs typeface="Consolas"/>
+                <a:sym typeface="Consolas"/>
+              </a:rPr>
+              <a:t>] </a:t>
+            </a:r>
+            <a:r>
+              <a:rPr lang="en-US" sz="2600" b="0" i="0" u="none" strike="noStrike" cap="none" dirty="0">
+                <a:solidFill>
+                  <a:srgbClr val="E28964"/>
+                </a:solidFill>
+                <a:latin typeface="Consolas"/>
+                <a:ea typeface="Consolas"/>
+                <a:cs typeface="Consolas"/>
+                <a:sym typeface="Consolas"/>
+              </a:rPr>
+              <a:t>=</a:t>
+            </a:r>
+            <a:r>
+              <a:rPr lang="en-US" sz="2600" b="0" i="0" u="none" strike="noStrike" cap="none" dirty="0">
+                <a:solidFill>
+                  <a:srgbClr val="F8F8F8"/>
+                </a:solidFill>
+                <a:latin typeface="Consolas"/>
+                <a:ea typeface="Consolas"/>
+                <a:cs typeface="Consolas"/>
+                <a:sym typeface="Consolas"/>
+              </a:rPr>
+              <a:t> </a:t>
+            </a:r>
+            <a:r>
+              <a:rPr lang="en-US" sz="2600" b="0" i="0" u="none" strike="noStrike" cap="none" dirty="0">
+                <a:solidFill>
+                  <a:srgbClr val="3387CC"/>
+                </a:solidFill>
+                <a:latin typeface="Consolas"/>
+                <a:ea typeface="Consolas"/>
+                <a:cs typeface="Consolas"/>
+                <a:sym typeface="Consolas"/>
+              </a:rPr>
+              <a:t>1969</a:t>
+            </a:r>
+            <a:r>
+              <a:rPr lang="en-US" sz="2600" b="0" i="0" u="none" strike="noStrike" cap="none" dirty="0">
+                <a:solidFill>
+                  <a:srgbClr val="F8F8F8"/>
+                </a:solidFill>
+                <a:latin typeface="Consolas"/>
+                <a:ea typeface="Consolas"/>
+                <a:cs typeface="Consolas"/>
+                <a:sym typeface="Consolas"/>
+              </a:rPr>
+              <a:t>;</a:t>
+            </a:r>
+          </a:p>
+        </p:txBody>
+      </p:sp>
+    </p:spTree>
+  </p:cSld>
+  <p:clrMapOvr>
+    <a:masterClrMapping/>
+  </p:clrMapOvr>
+  <p:timing>
+    <p:tnLst>
+      <p:par>
+        <p:cTn id="1" dur="indefinite" restart="never" nodeType="tmRoot"/>
+      </p:par>
+    </p:tnLst>
+  </p:timing>
+</p:sld>
+</file>
+
+<file path=ppt/slides/slide41.xml><?xml version="1.0" encoding="utf-8"?>
+<p:sld xmlns:a="http://schemas.openxmlformats.org/drawingml/2006/main" xmlns:r="http://schemas.openxmlformats.org/officeDocument/2006/relationships" xmlns:p="http://schemas.openxmlformats.org/presentationml/2006/main">
+  <p:cSld>
+    <p:spTree>
+      <p:nvGrpSpPr>
         <p:cNvPr id="1" name="Shape 291"/>
         <p:cNvGrpSpPr/>
         <p:nvPr/>
@@ -26505,7 +26752,7 @@
 </p:sld>
 </file>
 
-<file path=ppt/slides/slide41.xml><?xml version="1.0" encoding="utf-8"?>
+<file path=ppt/slides/slide42.xml><?xml version="1.0" encoding="utf-8"?>
 <p:sld xmlns:a="http://schemas.openxmlformats.org/drawingml/2006/main" xmlns:r="http://schemas.openxmlformats.org/officeDocument/2006/relationships" xmlns:p="http://schemas.openxmlformats.org/presentationml/2006/main">
   <p:cSld>
     <p:spTree>
@@ -26721,7 +26968,7 @@
 </p:sld>
 </file>
 
-<file path=ppt/slides/slide42.xml><?xml version="1.0" encoding="utf-8"?>
+<file path=ppt/slides/slide43.xml><?xml version="1.0" encoding="utf-8"?>
 <p:sld xmlns:a="http://schemas.openxmlformats.org/drawingml/2006/main" xmlns:r="http://schemas.openxmlformats.org/officeDocument/2006/relationships" xmlns:p="http://schemas.openxmlformats.org/presentationml/2006/main">
   <p:cSld>
     <p:spTree>
@@ -27347,7 +27594,7 @@
 </p:sld>
 </file>
 
-<file path=ppt/slides/slide43.xml><?xml version="1.0" encoding="utf-8"?>
+<file path=ppt/slides/slide44.xml><?xml version="1.0" encoding="utf-8"?>
 <p:sld xmlns:a="http://schemas.openxmlformats.org/drawingml/2006/main" xmlns:r="http://schemas.openxmlformats.org/officeDocument/2006/relationships" xmlns:p="http://schemas.openxmlformats.org/presentationml/2006/main">
   <p:cSld>
     <p:spTree>
@@ -27844,7 +28091,7 @@
 </p:sld>
 </file>
 
-<file path=ppt/slides/slide44.xml><?xml version="1.0" encoding="utf-8"?>
+<file path=ppt/slides/slide45.xml><?xml version="1.0" encoding="utf-8"?>
 <p:sld xmlns:a="http://schemas.openxmlformats.org/drawingml/2006/main" xmlns:r="http://schemas.openxmlformats.org/officeDocument/2006/relationships" xmlns:p="http://schemas.openxmlformats.org/presentationml/2006/main">
   <p:cSld>
     <p:spTree>
@@ -27937,7 +28184,7 @@
 </p:sld>
 </file>
 
-<file path=ppt/slides/slide45.xml><?xml version="1.0" encoding="utf-8"?>
+<file path=ppt/slides/slide46.xml><?xml version="1.0" encoding="utf-8"?>
 <p:sld xmlns:a="http://schemas.openxmlformats.org/drawingml/2006/main" xmlns:r="http://schemas.openxmlformats.org/officeDocument/2006/relationships" xmlns:p="http://schemas.openxmlformats.org/presentationml/2006/main">
   <p:cSld>
     <p:spTree>
@@ -28335,7 +28582,7 @@
 </p:sld>
 </file>
 
-<file path=ppt/slides/slide46.xml><?xml version="1.0" encoding="utf-8"?>
+<file path=ppt/slides/slide47.xml><?xml version="1.0" encoding="utf-8"?>
 <p:sld xmlns:a="http://schemas.openxmlformats.org/drawingml/2006/main" xmlns:r="http://schemas.openxmlformats.org/officeDocument/2006/relationships" xmlns:p="http://schemas.openxmlformats.org/presentationml/2006/main">
   <p:cSld>
     <p:spTree>
@@ -28958,7 +29205,7 @@
 </p:sld>
 </file>
 
-<file path=ppt/slides/slide47.xml><?xml version="1.0" encoding="utf-8"?>
+<file path=ppt/slides/slide48.xml><?xml version="1.0" encoding="utf-8"?>
 <p:sld xmlns:a="http://schemas.openxmlformats.org/drawingml/2006/main" xmlns:r="http://schemas.openxmlformats.org/officeDocument/2006/relationships" xmlns:p="http://schemas.openxmlformats.org/presentationml/2006/main">
   <p:cSld>
     <p:spTree>
@@ -29132,7 +29379,7 @@
 </p:sld>
 </file>
 
-<file path=ppt/slides/slide48.xml><?xml version="1.0" encoding="utf-8"?>
+<file path=ppt/slides/slide49.xml><?xml version="1.0" encoding="utf-8"?>
 <p:sld xmlns:a="http://schemas.openxmlformats.org/drawingml/2006/main" xmlns:r="http://schemas.openxmlformats.org/officeDocument/2006/relationships" xmlns:p="http://schemas.openxmlformats.org/presentationml/2006/main">
   <p:cSld>
     <p:spTree>
@@ -29257,7 +29504,7 @@
               <a:buNone/>
             </a:pPr>
             <a:r>
-              <a:rPr lang="en-US" sz="2100" b="0" i="0" u="none" strike="noStrike" cap="none">
+              <a:rPr lang="en-US" sz="2100" b="0" i="0" u="none" strike="noStrike" cap="none" dirty="0">
                 <a:solidFill>
                   <a:srgbClr val="FFFFFF"/>
                 </a:solidFill>
@@ -29267,649 +29514,6 @@
                 <a:sym typeface="Helvetica Neue"/>
               </a:rPr>
               <a:t>Does not refer to the object it was defined on, but to the object upon which it was invoked</a:t>
-            </a:r>
-          </a:p>
-        </p:txBody>
-      </p:sp>
-    </p:spTree>
-  </p:cSld>
-  <p:clrMapOvr>
-    <a:masterClrMapping/>
-  </p:clrMapOvr>
-  <p:timing>
-    <p:tnLst>
-      <p:par>
-        <p:cTn id="1" dur="indefinite" restart="never" nodeType="tmRoot"/>
-      </p:par>
-    </p:tnLst>
-  </p:timing>
-</p:sld>
-</file>
-
-<file path=ppt/slides/slide49.xml><?xml version="1.0" encoding="utf-8"?>
-<p:sld xmlns:a="http://schemas.openxmlformats.org/drawingml/2006/main" xmlns:r="http://schemas.openxmlformats.org/officeDocument/2006/relationships" xmlns:p="http://schemas.openxmlformats.org/presentationml/2006/main">
-  <p:cSld>
-    <p:spTree>
-      <p:nvGrpSpPr>
-        <p:cNvPr id="1" name="Shape 344"/>
-        <p:cNvGrpSpPr/>
-        <p:nvPr/>
-      </p:nvGrpSpPr>
-      <p:grpSpPr>
-        <a:xfrm>
-          <a:off x="0" y="0"/>
-          <a:ext cx="0" cy="0"/>
-          <a:chOff x="0" y="0"/>
-          <a:chExt cx="0" cy="0"/>
-        </a:xfrm>
-      </p:grpSpPr>
-      <p:sp>
-        <p:nvSpPr>
-          <p:cNvPr id="345" name="Shape 345"/>
-          <p:cNvSpPr txBox="1">
-            <a:spLocks noGrp="1"/>
-          </p:cNvSpPr>
-          <p:nvPr>
-            <p:ph type="title"/>
-          </p:nvPr>
-        </p:nvSpPr>
-        <p:spPr>
-          <a:xfrm>
-            <a:off x="669726" y="133945"/>
-            <a:ext cx="7804500" cy="1138500"/>
-          </a:xfrm>
-          <a:prstGeom prst="rect">
-            <a:avLst/>
-          </a:prstGeom>
-          <a:noFill/>
-          <a:ln>
-            <a:noFill/>
-          </a:ln>
-        </p:spPr>
-        <p:txBody>
-          <a:bodyPr lIns="32750" tIns="32750" rIns="32750" bIns="32750" anchor="ctr" anchorCtr="0">
-            <a:noAutofit/>
-          </a:bodyPr>
-          <a:lstStyle/>
-          <a:p>
-            <a:pPr marL="0" marR="0" lvl="0" indent="0" algn="ctr" rtl="0">
-              <a:lnSpc>
-                <a:spcPct val="100000"/>
-              </a:lnSpc>
-              <a:spcBef>
-                <a:spcPts val="0"/>
-              </a:spcBef>
-              <a:spcAft>
-                <a:spcPts val="0"/>
-              </a:spcAft>
-              <a:buClr>
-                <a:srgbClr val="FFFFFF"/>
-              </a:buClr>
-              <a:buSzPct val="25000"/>
-              <a:buFont typeface="Helvetica Neue"/>
-              <a:buNone/>
-            </a:pPr>
-            <a:r>
-              <a:rPr lang="en-US" sz="5200" b="0" i="0" u="none" strike="noStrike" cap="none">
-                <a:solidFill>
-                  <a:srgbClr val="FFFFFF"/>
-                </a:solidFill>
-                <a:latin typeface="Helvetica Neue"/>
-                <a:ea typeface="Helvetica Neue"/>
-                <a:cs typeface="Helvetica Neue"/>
-                <a:sym typeface="Helvetica Neue"/>
-              </a:rPr>
-              <a:t>Example</a:t>
-            </a:r>
-          </a:p>
-        </p:txBody>
-      </p:sp>
-      <p:sp>
-        <p:nvSpPr>
-          <p:cNvPr id="346" name="Shape 346"/>
-          <p:cNvSpPr/>
-          <p:nvPr/>
-        </p:nvSpPr>
-        <p:spPr>
-          <a:xfrm>
-            <a:off x="837999" y="1582675"/>
-            <a:ext cx="6732900" cy="2946900"/>
-          </a:xfrm>
-          <a:prstGeom prst="rect">
-            <a:avLst/>
-          </a:prstGeom>
-          <a:noFill/>
-          <a:ln>
-            <a:noFill/>
-          </a:ln>
-        </p:spPr>
-        <p:txBody>
-          <a:bodyPr lIns="32750" tIns="32750" rIns="32750" bIns="32750" anchor="ctr" anchorCtr="0">
-            <a:noAutofit/>
-          </a:bodyPr>
-          <a:lstStyle/>
-          <a:p>
-            <a:pPr marL="0" marR="0" lvl="0" indent="0" algn="l" rtl="0">
-              <a:lnSpc>
-                <a:spcPct val="100000"/>
-              </a:lnSpc>
-              <a:spcBef>
-                <a:spcPts val="0"/>
-              </a:spcBef>
-              <a:spcAft>
-                <a:spcPts val="0"/>
-              </a:spcAft>
-              <a:buClr>
-                <a:srgbClr val="99CF50"/>
-              </a:buClr>
-              <a:buSzPct val="25000"/>
-              <a:buFont typeface="Consolas"/>
-              <a:buNone/>
-            </a:pPr>
-            <a:r>
-              <a:rPr lang="en-US" sz="2600" b="0" i="0" u="none" strike="noStrike" cap="none" dirty="0" err="1">
-                <a:solidFill>
-                  <a:srgbClr val="99CF50"/>
-                </a:solidFill>
-                <a:latin typeface="Consolas"/>
-                <a:ea typeface="Consolas"/>
-                <a:cs typeface="Consolas"/>
-                <a:sym typeface="Consolas"/>
-              </a:rPr>
-              <a:t>var</a:t>
-            </a:r>
-            <a:r>
-              <a:rPr lang="en-US" sz="2600" b="0" i="0" u="none" strike="noStrike" cap="none" dirty="0">
-                <a:solidFill>
-                  <a:srgbClr val="F8F8F8"/>
-                </a:solidFill>
-                <a:latin typeface="Consolas"/>
-                <a:ea typeface="Consolas"/>
-                <a:cs typeface="Consolas"/>
-                <a:sym typeface="Consolas"/>
-              </a:rPr>
-              <a:t> person </a:t>
-            </a:r>
-            <a:r>
-              <a:rPr lang="en-US" sz="2600" b="0" i="0" u="none" strike="noStrike" cap="none" dirty="0">
-                <a:solidFill>
-                  <a:srgbClr val="E28964"/>
-                </a:solidFill>
-                <a:latin typeface="Consolas"/>
-                <a:ea typeface="Consolas"/>
-                <a:cs typeface="Consolas"/>
-                <a:sym typeface="Consolas"/>
-              </a:rPr>
-              <a:t>=</a:t>
-            </a:r>
-            <a:r>
-              <a:rPr lang="en-US" sz="2600" b="0" i="0" u="none" strike="noStrike" cap="none" dirty="0">
-                <a:solidFill>
-                  <a:srgbClr val="F8F8F8"/>
-                </a:solidFill>
-                <a:latin typeface="Consolas"/>
-                <a:ea typeface="Consolas"/>
-                <a:cs typeface="Consolas"/>
-                <a:sym typeface="Consolas"/>
-              </a:rPr>
-              <a:t> {</a:t>
-            </a:r>
-          </a:p>
-          <a:p>
-            <a:pPr marL="0" marR="0" lvl="0" indent="0" algn="l" rtl="0">
-              <a:lnSpc>
-                <a:spcPct val="100000"/>
-              </a:lnSpc>
-              <a:spcBef>
-                <a:spcPts val="0"/>
-              </a:spcBef>
-              <a:spcAft>
-                <a:spcPts val="0"/>
-              </a:spcAft>
-              <a:buClr>
-                <a:srgbClr val="F8F8F8"/>
-              </a:buClr>
-              <a:buSzPct val="25000"/>
-              <a:buFont typeface="Consolas"/>
-              <a:buNone/>
-            </a:pPr>
-            <a:r>
-              <a:rPr lang="en-US" sz="2600" b="0" i="0" u="none" strike="noStrike" cap="none" dirty="0">
-                <a:solidFill>
-                  <a:srgbClr val="F8F8F8"/>
-                </a:solidFill>
-                <a:latin typeface="Consolas"/>
-                <a:ea typeface="Consolas"/>
-                <a:cs typeface="Consolas"/>
-                <a:sym typeface="Consolas"/>
-              </a:rPr>
-              <a:t>  </a:t>
-            </a:r>
-            <a:r>
-              <a:rPr lang="en-US" sz="2600" b="0" i="0" u="none" strike="noStrike" cap="none" dirty="0" smtClean="0">
-                <a:solidFill>
-                  <a:srgbClr val="F8F8F8"/>
-                </a:solidFill>
-                <a:latin typeface="Consolas"/>
-                <a:ea typeface="Consolas"/>
-                <a:cs typeface="Consolas"/>
-                <a:sym typeface="Consolas"/>
-              </a:rPr>
-              <a:t>name</a:t>
-            </a:r>
-            <a:r>
-              <a:rPr lang="en-US" sz="2600" b="0" i="0" u="none" strike="noStrike" cap="none" dirty="0">
-                <a:solidFill>
-                  <a:srgbClr val="F8F8F8"/>
-                </a:solidFill>
-                <a:latin typeface="Consolas"/>
-                <a:ea typeface="Consolas"/>
-                <a:cs typeface="Consolas"/>
-                <a:sym typeface="Consolas"/>
-              </a:rPr>
-              <a:t>: </a:t>
-            </a:r>
-            <a:r>
-              <a:rPr lang="en-US" sz="2600" b="0" i="0" u="none" strike="noStrike" cap="none" dirty="0">
-                <a:solidFill>
-                  <a:srgbClr val="65B042"/>
-                </a:solidFill>
-                <a:latin typeface="Consolas"/>
-                <a:ea typeface="Consolas"/>
-                <a:cs typeface="Consolas"/>
-                <a:sym typeface="Consolas"/>
-              </a:rPr>
-              <a:t>'bar'</a:t>
-            </a:r>
-            <a:r>
-              <a:rPr lang="en-US" sz="2600" b="0" i="0" u="none" strike="noStrike" cap="none" dirty="0">
-                <a:solidFill>
-                  <a:srgbClr val="F8F8F8"/>
-                </a:solidFill>
-                <a:latin typeface="Consolas"/>
-                <a:ea typeface="Consolas"/>
-                <a:cs typeface="Consolas"/>
-                <a:sym typeface="Consolas"/>
-              </a:rPr>
-              <a:t>,</a:t>
-            </a:r>
-          </a:p>
-          <a:p>
-            <a:pPr marL="0" marR="0" lvl="0" indent="0" algn="l" rtl="0">
-              <a:lnSpc>
-                <a:spcPct val="100000"/>
-              </a:lnSpc>
-              <a:spcBef>
-                <a:spcPts val="0"/>
-              </a:spcBef>
-              <a:spcAft>
-                <a:spcPts val="0"/>
-              </a:spcAft>
-              <a:buClr>
-                <a:srgbClr val="F8F8F8"/>
-              </a:buClr>
-              <a:buSzPct val="25000"/>
-              <a:buFont typeface="Consolas"/>
-              <a:buNone/>
-            </a:pPr>
-            <a:r>
-              <a:rPr lang="en-US" sz="2600" b="0" i="0" u="none" strike="noStrike" cap="none" dirty="0">
-                <a:solidFill>
-                  <a:srgbClr val="F8F8F8"/>
-                </a:solidFill>
-                <a:latin typeface="Consolas"/>
-                <a:ea typeface="Consolas"/>
-                <a:cs typeface="Consolas"/>
-                <a:sym typeface="Consolas"/>
-              </a:rPr>
-              <a:t>  </a:t>
-            </a:r>
-            <a:r>
-              <a:rPr lang="en-US" sz="2600" b="0" i="0" u="none" strike="noStrike" cap="none" dirty="0" err="1" smtClean="0">
-                <a:solidFill>
-                  <a:srgbClr val="89BDFF"/>
-                </a:solidFill>
-                <a:latin typeface="Consolas"/>
-                <a:ea typeface="Consolas"/>
-                <a:cs typeface="Consolas"/>
-                <a:sym typeface="Consolas"/>
-              </a:rPr>
-              <a:t>getName</a:t>
-            </a:r>
-            <a:r>
-              <a:rPr lang="en-US" sz="2600" b="0" i="0" u="none" strike="noStrike" cap="none" dirty="0">
-                <a:solidFill>
-                  <a:srgbClr val="F8F8F8"/>
-                </a:solidFill>
-                <a:latin typeface="Consolas"/>
-                <a:ea typeface="Consolas"/>
-                <a:cs typeface="Consolas"/>
-                <a:sym typeface="Consolas"/>
-              </a:rPr>
-              <a:t>: </a:t>
-            </a:r>
-            <a:r>
-              <a:rPr lang="en-US" sz="2600" b="0" i="0" u="none" strike="noStrike" cap="none" dirty="0">
-                <a:solidFill>
-                  <a:srgbClr val="99CF50"/>
-                </a:solidFill>
-                <a:latin typeface="Consolas"/>
-                <a:ea typeface="Consolas"/>
-                <a:cs typeface="Consolas"/>
-                <a:sym typeface="Consolas"/>
-              </a:rPr>
-              <a:t>function</a:t>
-            </a:r>
-            <a:r>
-              <a:rPr lang="en-US" sz="2600" b="0" i="0" u="none" strike="noStrike" cap="none" dirty="0">
-                <a:solidFill>
-                  <a:srgbClr val="F8F8F8"/>
-                </a:solidFill>
-                <a:latin typeface="Consolas"/>
-                <a:ea typeface="Consolas"/>
-                <a:cs typeface="Consolas"/>
-                <a:sym typeface="Consolas"/>
-              </a:rPr>
-              <a:t>() {</a:t>
-            </a:r>
-          </a:p>
-          <a:p>
-            <a:pPr marL="0" marR="0" lvl="0" indent="0" algn="l" rtl="0">
-              <a:lnSpc>
-                <a:spcPct val="100000"/>
-              </a:lnSpc>
-              <a:spcBef>
-                <a:spcPts val="0"/>
-              </a:spcBef>
-              <a:spcAft>
-                <a:spcPts val="0"/>
-              </a:spcAft>
-              <a:buClr>
-                <a:srgbClr val="F8F8F8"/>
-              </a:buClr>
-              <a:buSzPct val="25000"/>
-              <a:buFont typeface="Consolas"/>
-              <a:buNone/>
-            </a:pPr>
-            <a:r>
-              <a:rPr lang="en-US" sz="2600" b="0" i="0" u="none" strike="noStrike" cap="none" dirty="0">
-                <a:solidFill>
-                  <a:srgbClr val="F8F8F8"/>
-                </a:solidFill>
-                <a:latin typeface="Consolas"/>
-                <a:ea typeface="Consolas"/>
-                <a:cs typeface="Consolas"/>
-                <a:sym typeface="Consolas"/>
-              </a:rPr>
-              <a:t>    </a:t>
-            </a:r>
-            <a:r>
-              <a:rPr lang="en-US" sz="2600" b="0" i="0" u="none" strike="noStrike" cap="none" dirty="0" smtClean="0">
-                <a:solidFill>
-                  <a:srgbClr val="F8F8F8"/>
-                </a:solidFill>
-                <a:latin typeface="Consolas"/>
-                <a:ea typeface="Consolas"/>
-                <a:cs typeface="Consolas"/>
-                <a:sym typeface="Consolas"/>
-              </a:rPr>
-              <a:t>	</a:t>
-            </a:r>
-            <a:r>
-              <a:rPr lang="en-US" sz="2600" b="0" i="0" u="none" strike="noStrike" cap="none" dirty="0" smtClean="0">
-                <a:solidFill>
-                  <a:srgbClr val="E28964"/>
-                </a:solidFill>
-                <a:latin typeface="Consolas"/>
-                <a:ea typeface="Consolas"/>
-                <a:cs typeface="Consolas"/>
-                <a:sym typeface="Consolas"/>
-              </a:rPr>
-              <a:t>return</a:t>
-            </a:r>
-            <a:r>
-              <a:rPr lang="en-US" sz="2600" b="0" i="0" u="none" strike="noStrike" cap="none" dirty="0" smtClean="0">
-                <a:solidFill>
-                  <a:srgbClr val="F8F8F8"/>
-                </a:solidFill>
-                <a:latin typeface="Consolas"/>
-                <a:ea typeface="Consolas"/>
-                <a:cs typeface="Consolas"/>
-                <a:sym typeface="Consolas"/>
-              </a:rPr>
-              <a:t> </a:t>
-            </a:r>
-            <a:r>
-              <a:rPr lang="en-US" sz="2600" b="0" i="0" u="none" strike="noStrike" cap="none" dirty="0" err="1">
-                <a:solidFill>
-                  <a:srgbClr val="3E87E3"/>
-                </a:solidFill>
-                <a:latin typeface="Consolas"/>
-                <a:ea typeface="Consolas"/>
-                <a:cs typeface="Consolas"/>
-                <a:sym typeface="Consolas"/>
-              </a:rPr>
-              <a:t>this</a:t>
-            </a:r>
-            <a:r>
-              <a:rPr lang="en-US" sz="2600" b="0" i="0" u="none" strike="noStrike" cap="none" dirty="0" err="1">
-                <a:solidFill>
-                  <a:srgbClr val="F8F8F8"/>
-                </a:solidFill>
-                <a:latin typeface="Consolas"/>
-                <a:ea typeface="Consolas"/>
-                <a:cs typeface="Consolas"/>
-                <a:sym typeface="Consolas"/>
-              </a:rPr>
-              <a:t>.</a:t>
-            </a:r>
-            <a:r>
-              <a:rPr lang="en-US" sz="2600" b="0" i="0" u="none" strike="noStrike" cap="none" dirty="0" err="1">
-                <a:solidFill>
-                  <a:srgbClr val="CF6A4C"/>
-                </a:solidFill>
-                <a:latin typeface="Consolas"/>
-                <a:ea typeface="Consolas"/>
-                <a:cs typeface="Consolas"/>
-                <a:sym typeface="Consolas"/>
-              </a:rPr>
-              <a:t>name</a:t>
-            </a:r>
-            <a:r>
-              <a:rPr lang="en-US" sz="2600" b="0" i="0" u="none" strike="noStrike" cap="none" dirty="0">
-                <a:solidFill>
-                  <a:srgbClr val="F8F8F8"/>
-                </a:solidFill>
-                <a:latin typeface="Consolas"/>
-                <a:ea typeface="Consolas"/>
-                <a:cs typeface="Consolas"/>
-                <a:sym typeface="Consolas"/>
-              </a:rPr>
-              <a:t>;</a:t>
-            </a:r>
-          </a:p>
-          <a:p>
-            <a:pPr marL="0" marR="0" lvl="0" indent="0" algn="l" rtl="0">
-              <a:lnSpc>
-                <a:spcPct val="100000"/>
-              </a:lnSpc>
-              <a:spcBef>
-                <a:spcPts val="0"/>
-              </a:spcBef>
-              <a:spcAft>
-                <a:spcPts val="0"/>
-              </a:spcAft>
-              <a:buClr>
-                <a:srgbClr val="F8F8F8"/>
-              </a:buClr>
-              <a:buSzPct val="25000"/>
-              <a:buFont typeface="Consolas"/>
-              <a:buNone/>
-            </a:pPr>
-            <a:r>
-              <a:rPr lang="en-US" sz="2600" b="0" i="0" u="none" strike="noStrike" cap="none" dirty="0">
-                <a:solidFill>
-                  <a:srgbClr val="F8F8F8"/>
-                </a:solidFill>
-                <a:latin typeface="Consolas"/>
-                <a:ea typeface="Consolas"/>
-                <a:cs typeface="Consolas"/>
-                <a:sym typeface="Consolas"/>
-              </a:rPr>
-              <a:t>  </a:t>
-            </a:r>
-            <a:r>
-              <a:rPr lang="en-US" sz="2600" b="0" i="0" u="none" strike="noStrike" cap="none" dirty="0" smtClean="0">
-                <a:solidFill>
-                  <a:srgbClr val="F8F8F8"/>
-                </a:solidFill>
-                <a:latin typeface="Consolas"/>
-                <a:ea typeface="Consolas"/>
-                <a:cs typeface="Consolas"/>
-                <a:sym typeface="Consolas"/>
-              </a:rPr>
-              <a:t>}</a:t>
-            </a:r>
-            <a:endParaRPr lang="en-US" sz="2600" b="0" i="0" u="none" strike="noStrike" cap="none" dirty="0">
-              <a:solidFill>
-                <a:srgbClr val="F8F8F8"/>
-              </a:solidFill>
-              <a:latin typeface="Consolas"/>
-              <a:ea typeface="Consolas"/>
-              <a:cs typeface="Consolas"/>
-              <a:sym typeface="Consolas"/>
-            </a:endParaRPr>
-          </a:p>
-          <a:p>
-            <a:pPr marL="0" marR="0" lvl="0" indent="0" algn="l" rtl="0">
-              <a:lnSpc>
-                <a:spcPct val="100000"/>
-              </a:lnSpc>
-              <a:spcBef>
-                <a:spcPts val="0"/>
-              </a:spcBef>
-              <a:spcAft>
-                <a:spcPts val="0"/>
-              </a:spcAft>
-              <a:buClr>
-                <a:srgbClr val="F8F8F8"/>
-              </a:buClr>
-              <a:buSzPct val="25000"/>
-              <a:buFont typeface="Consolas"/>
-              <a:buNone/>
-            </a:pPr>
-            <a:r>
-              <a:rPr lang="en-US" sz="2600" b="0" i="0" u="none" strike="noStrike" cap="none" dirty="0">
-                <a:solidFill>
-                  <a:srgbClr val="F8F8F8"/>
-                </a:solidFill>
-                <a:latin typeface="Consolas"/>
-                <a:ea typeface="Consolas"/>
-                <a:cs typeface="Consolas"/>
-                <a:sym typeface="Consolas"/>
-              </a:rPr>
-              <a:t>};</a:t>
-            </a:r>
-          </a:p>
-          <a:p>
-            <a:pPr marL="0" marR="0" lvl="0" indent="0" algn="l" rtl="0">
-              <a:lnSpc>
-                <a:spcPct val="100000"/>
-              </a:lnSpc>
-              <a:spcBef>
-                <a:spcPts val="0"/>
-              </a:spcBef>
-              <a:spcAft>
-                <a:spcPts val="0"/>
-              </a:spcAft>
-              <a:buClr>
-                <a:srgbClr val="F8F8F8"/>
-              </a:buClr>
-              <a:buSzPct val="25000"/>
-              <a:buFont typeface="Consolas"/>
-              <a:buNone/>
-            </a:pPr>
-            <a:r>
-              <a:rPr lang="en-US" sz="2600" b="0" i="0" u="none" strike="noStrike" cap="none" dirty="0" err="1">
-                <a:solidFill>
-                  <a:srgbClr val="F8F8F8"/>
-                </a:solidFill>
-                <a:latin typeface="Consolas"/>
-                <a:ea typeface="Consolas"/>
-                <a:cs typeface="Consolas"/>
-                <a:sym typeface="Consolas"/>
-              </a:rPr>
-              <a:t>person.getName</a:t>
-            </a:r>
-            <a:r>
-              <a:rPr lang="en-US" sz="2600" b="0" i="0" u="none" strike="noStrike" cap="none" dirty="0">
-                <a:solidFill>
-                  <a:srgbClr val="F8F8F8"/>
-                </a:solidFill>
-                <a:latin typeface="Consolas"/>
-                <a:ea typeface="Consolas"/>
-                <a:cs typeface="Consolas"/>
-                <a:sym typeface="Consolas"/>
-              </a:rPr>
-              <a:t>();</a:t>
-            </a:r>
-          </a:p>
-          <a:p>
-            <a:pPr marL="0" marR="0" lvl="0" indent="0" algn="l" rtl="0">
-              <a:lnSpc>
-                <a:spcPct val="100000"/>
-              </a:lnSpc>
-              <a:spcBef>
-                <a:spcPts val="0"/>
-              </a:spcBef>
-              <a:spcAft>
-                <a:spcPts val="0"/>
-              </a:spcAft>
-              <a:buClr>
-                <a:srgbClr val="F8F8F8"/>
-              </a:buClr>
-              <a:buFont typeface="Consolas"/>
-              <a:buNone/>
-            </a:pPr>
-            <a:endParaRPr sz="2600" b="0" i="0" u="none" strike="noStrike" cap="none" dirty="0">
-              <a:solidFill>
-                <a:srgbClr val="F8F8F8"/>
-              </a:solidFill>
-              <a:latin typeface="Consolas"/>
-              <a:ea typeface="Consolas"/>
-              <a:cs typeface="Consolas"/>
-              <a:sym typeface="Consolas"/>
-            </a:endParaRPr>
-          </a:p>
-          <a:p>
-            <a:pPr marL="0" marR="0" lvl="0" indent="0" algn="l" rtl="0">
-              <a:lnSpc>
-                <a:spcPct val="100000"/>
-              </a:lnSpc>
-              <a:spcBef>
-                <a:spcPts val="0"/>
-              </a:spcBef>
-              <a:spcAft>
-                <a:spcPts val="0"/>
-              </a:spcAft>
-              <a:buClr>
-                <a:srgbClr val="AEAEAE"/>
-              </a:buClr>
-              <a:buSzPct val="25000"/>
-              <a:buFont typeface="Helvetica Neue"/>
-              <a:buNone/>
-            </a:pPr>
-            <a:r>
-              <a:rPr lang="en-US" sz="2600" b="0" i="1" u="none" strike="noStrike" cap="none" dirty="0">
-                <a:solidFill>
-                  <a:srgbClr val="AEAEAE"/>
-                </a:solidFill>
-                <a:latin typeface="Helvetica Neue"/>
-                <a:ea typeface="Helvetica Neue"/>
-                <a:cs typeface="Helvetica Neue"/>
-                <a:sym typeface="Helvetica Neue"/>
-              </a:rPr>
-              <a:t>// Result is 'bar'</a:t>
             </a:r>
           </a:p>
         </p:txBody>
@@ -30181,6 +29785,761 @@
   <p:cSld>
     <p:spTree>
       <p:nvGrpSpPr>
+        <p:cNvPr id="1" name=""/>
+        <p:cNvGrpSpPr/>
+        <p:nvPr/>
+      </p:nvGrpSpPr>
+      <p:grpSpPr>
+        <a:xfrm>
+          <a:off x="0" y="0"/>
+          <a:ext cx="0" cy="0"/>
+          <a:chOff x="0" y="0"/>
+          <a:chExt cx="0" cy="0"/>
+        </a:xfrm>
+      </p:grpSpPr>
+      <p:sp>
+        <p:nvSpPr>
+          <p:cNvPr id="2" name="Title 1"/>
+          <p:cNvSpPr>
+            <a:spLocks noGrp="1"/>
+          </p:cNvSpPr>
+          <p:nvPr>
+            <p:ph type="title"/>
+          </p:nvPr>
+        </p:nvSpPr>
+        <p:spPr/>
+        <p:txBody>
+          <a:bodyPr/>
+          <a:lstStyle/>
+          <a:p>
+            <a:r>
+              <a:rPr lang="en-US" dirty="0" smtClean="0"/>
+              <a:t>this</a:t>
+            </a:r>
+            <a:endParaRPr lang="en-US" dirty="0"/>
+          </a:p>
+        </p:txBody>
+      </p:sp>
+      <p:sp>
+        <p:nvSpPr>
+          <p:cNvPr id="3" name="Text Placeholder 2"/>
+          <p:cNvSpPr>
+            <a:spLocks noGrp="1"/>
+          </p:cNvSpPr>
+          <p:nvPr>
+            <p:ph type="body" idx="1"/>
+          </p:nvPr>
+        </p:nvSpPr>
+        <p:spPr/>
+        <p:txBody>
+          <a:bodyPr/>
+          <a:lstStyle/>
+          <a:p>
+            <a:pPr marL="114300" indent="0" algn="ctr">
+              <a:buNone/>
+            </a:pPr>
+            <a:r>
+              <a:rPr lang="en-US" dirty="0" smtClean="0">
+                <a:solidFill>
+                  <a:srgbClr val="FFC000"/>
+                </a:solidFill>
+              </a:rPr>
+              <a:t>MDN:</a:t>
+            </a:r>
+            <a:endParaRPr lang="en-US" dirty="0" smtClean="0"/>
+          </a:p>
+          <a:p>
+            <a:pPr marL="114300" indent="0">
+              <a:buNone/>
+            </a:pPr>
+            <a:r>
+              <a:rPr lang="en-US" dirty="0" smtClean="0"/>
+              <a:t> https</a:t>
+            </a:r>
+            <a:r>
+              <a:rPr lang="en-US" dirty="0"/>
+              <a:t>://</a:t>
+            </a:r>
+            <a:r>
+              <a:rPr lang="en-US" dirty="0" err="1"/>
+              <a:t>developer.mozilla.org</a:t>
+            </a:r>
+            <a:r>
+              <a:rPr lang="en-US" dirty="0"/>
+              <a:t>/</a:t>
+            </a:r>
+            <a:r>
+              <a:rPr lang="en-US" dirty="0" err="1"/>
+              <a:t>en</a:t>
+            </a:r>
+            <a:r>
+              <a:rPr lang="en-US" dirty="0"/>
+              <a:t>-US/docs/Web/JavaScript/Reference/Operators/this</a:t>
+            </a:r>
+          </a:p>
+        </p:txBody>
+      </p:sp>
+    </p:spTree>
+    <p:extLst>
+      <p:ext uri="{BB962C8B-B14F-4D97-AF65-F5344CB8AC3E}">
+        <p14:creationId xmlns:p14="http://schemas.microsoft.com/office/powerpoint/2010/main" val="414143306"/>
+      </p:ext>
+    </p:extLst>
+  </p:cSld>
+  <p:clrMapOvr>
+    <a:masterClrMapping/>
+  </p:clrMapOvr>
+</p:sld>
+</file>
+
+<file path=ppt/slides/slide51.xml><?xml version="1.0" encoding="utf-8"?>
+<p:sld xmlns:a="http://schemas.openxmlformats.org/drawingml/2006/main" xmlns:r="http://schemas.openxmlformats.org/officeDocument/2006/relationships" xmlns:p="http://schemas.openxmlformats.org/presentationml/2006/main">
+  <p:cSld>
+    <p:spTree>
+      <p:nvGrpSpPr>
+        <p:cNvPr id="1" name="Shape 344"/>
+        <p:cNvGrpSpPr/>
+        <p:nvPr/>
+      </p:nvGrpSpPr>
+      <p:grpSpPr>
+        <a:xfrm>
+          <a:off x="0" y="0"/>
+          <a:ext cx="0" cy="0"/>
+          <a:chOff x="0" y="0"/>
+          <a:chExt cx="0" cy="0"/>
+        </a:xfrm>
+      </p:grpSpPr>
+      <p:sp>
+        <p:nvSpPr>
+          <p:cNvPr id="345" name="Shape 345"/>
+          <p:cNvSpPr txBox="1">
+            <a:spLocks noGrp="1"/>
+          </p:cNvSpPr>
+          <p:nvPr>
+            <p:ph type="title"/>
+          </p:nvPr>
+        </p:nvSpPr>
+        <p:spPr>
+          <a:xfrm>
+            <a:off x="669726" y="133945"/>
+            <a:ext cx="7804500" cy="1138500"/>
+          </a:xfrm>
+          <a:prstGeom prst="rect">
+            <a:avLst/>
+          </a:prstGeom>
+          <a:noFill/>
+          <a:ln>
+            <a:noFill/>
+          </a:ln>
+        </p:spPr>
+        <p:txBody>
+          <a:bodyPr lIns="32750" tIns="32750" rIns="32750" bIns="32750" anchor="ctr" anchorCtr="0">
+            <a:noAutofit/>
+          </a:bodyPr>
+          <a:lstStyle/>
+          <a:p>
+            <a:pPr marL="0" marR="0" lvl="0" indent="0" algn="ctr" rtl="0">
+              <a:lnSpc>
+                <a:spcPct val="100000"/>
+              </a:lnSpc>
+              <a:spcBef>
+                <a:spcPts val="0"/>
+              </a:spcBef>
+              <a:spcAft>
+                <a:spcPts val="0"/>
+              </a:spcAft>
+              <a:buClr>
+                <a:srgbClr val="FFFFFF"/>
+              </a:buClr>
+              <a:buSzPct val="25000"/>
+              <a:buFont typeface="Helvetica Neue"/>
+              <a:buNone/>
+            </a:pPr>
+            <a:r>
+              <a:rPr lang="en-US" sz="5200" b="0" i="0" u="none" strike="noStrike" cap="none">
+                <a:solidFill>
+                  <a:srgbClr val="FFFFFF"/>
+                </a:solidFill>
+                <a:latin typeface="Helvetica Neue"/>
+                <a:ea typeface="Helvetica Neue"/>
+                <a:cs typeface="Helvetica Neue"/>
+                <a:sym typeface="Helvetica Neue"/>
+              </a:rPr>
+              <a:t>Example</a:t>
+            </a:r>
+          </a:p>
+        </p:txBody>
+      </p:sp>
+      <p:sp>
+        <p:nvSpPr>
+          <p:cNvPr id="346" name="Shape 346"/>
+          <p:cNvSpPr/>
+          <p:nvPr/>
+        </p:nvSpPr>
+        <p:spPr>
+          <a:xfrm>
+            <a:off x="837999" y="1582675"/>
+            <a:ext cx="6732900" cy="2946900"/>
+          </a:xfrm>
+          <a:prstGeom prst="rect">
+            <a:avLst/>
+          </a:prstGeom>
+          <a:noFill/>
+          <a:ln>
+            <a:noFill/>
+          </a:ln>
+        </p:spPr>
+        <p:txBody>
+          <a:bodyPr lIns="32750" tIns="32750" rIns="32750" bIns="32750" anchor="ctr" anchorCtr="0">
+            <a:noAutofit/>
+          </a:bodyPr>
+          <a:lstStyle/>
+          <a:p>
+            <a:pPr marL="0" marR="0" lvl="0" indent="0" algn="l" rtl="0">
+              <a:lnSpc>
+                <a:spcPct val="100000"/>
+              </a:lnSpc>
+              <a:spcBef>
+                <a:spcPts val="0"/>
+              </a:spcBef>
+              <a:spcAft>
+                <a:spcPts val="0"/>
+              </a:spcAft>
+              <a:buClr>
+                <a:srgbClr val="99CF50"/>
+              </a:buClr>
+              <a:buSzPct val="25000"/>
+              <a:buFont typeface="Consolas"/>
+              <a:buNone/>
+            </a:pPr>
+            <a:r>
+              <a:rPr lang="en-US" sz="2600" b="0" i="0" u="none" strike="noStrike" cap="none" dirty="0" err="1">
+                <a:solidFill>
+                  <a:srgbClr val="99CF50"/>
+                </a:solidFill>
+                <a:latin typeface="Consolas"/>
+                <a:ea typeface="Consolas"/>
+                <a:cs typeface="Consolas"/>
+                <a:sym typeface="Consolas"/>
+              </a:rPr>
+              <a:t>var</a:t>
+            </a:r>
+            <a:r>
+              <a:rPr lang="en-US" sz="2600" b="0" i="0" u="none" strike="noStrike" cap="none" dirty="0">
+                <a:solidFill>
+                  <a:srgbClr val="F8F8F8"/>
+                </a:solidFill>
+                <a:latin typeface="Consolas"/>
+                <a:ea typeface="Consolas"/>
+                <a:cs typeface="Consolas"/>
+                <a:sym typeface="Consolas"/>
+              </a:rPr>
+              <a:t> person </a:t>
+            </a:r>
+            <a:r>
+              <a:rPr lang="en-US" sz="2600" b="0" i="0" u="none" strike="noStrike" cap="none" dirty="0">
+                <a:solidFill>
+                  <a:srgbClr val="E28964"/>
+                </a:solidFill>
+                <a:latin typeface="Consolas"/>
+                <a:ea typeface="Consolas"/>
+                <a:cs typeface="Consolas"/>
+                <a:sym typeface="Consolas"/>
+              </a:rPr>
+              <a:t>=</a:t>
+            </a:r>
+            <a:r>
+              <a:rPr lang="en-US" sz="2600" b="0" i="0" u="none" strike="noStrike" cap="none" dirty="0">
+                <a:solidFill>
+                  <a:srgbClr val="F8F8F8"/>
+                </a:solidFill>
+                <a:latin typeface="Consolas"/>
+                <a:ea typeface="Consolas"/>
+                <a:cs typeface="Consolas"/>
+                <a:sym typeface="Consolas"/>
+              </a:rPr>
+              <a:t> {</a:t>
+            </a:r>
+          </a:p>
+          <a:p>
+            <a:pPr marL="0" marR="0" lvl="0" indent="0" algn="l" rtl="0">
+              <a:lnSpc>
+                <a:spcPct val="100000"/>
+              </a:lnSpc>
+              <a:spcBef>
+                <a:spcPts val="0"/>
+              </a:spcBef>
+              <a:spcAft>
+                <a:spcPts val="0"/>
+              </a:spcAft>
+              <a:buClr>
+                <a:srgbClr val="F8F8F8"/>
+              </a:buClr>
+              <a:buSzPct val="25000"/>
+              <a:buFont typeface="Consolas"/>
+              <a:buNone/>
+            </a:pPr>
+            <a:r>
+              <a:rPr lang="en-US" sz="2600" b="0" i="0" u="none" strike="noStrike" cap="none" dirty="0">
+                <a:solidFill>
+                  <a:srgbClr val="F8F8F8"/>
+                </a:solidFill>
+                <a:latin typeface="Consolas"/>
+                <a:ea typeface="Consolas"/>
+                <a:cs typeface="Consolas"/>
+                <a:sym typeface="Consolas"/>
+              </a:rPr>
+              <a:t>  </a:t>
+            </a:r>
+            <a:r>
+              <a:rPr lang="en-US" sz="2600" b="0" i="0" u="none" strike="noStrike" cap="none" dirty="0" smtClean="0">
+                <a:solidFill>
+                  <a:srgbClr val="F8F8F8"/>
+                </a:solidFill>
+                <a:latin typeface="Consolas"/>
+                <a:ea typeface="Consolas"/>
+                <a:cs typeface="Consolas"/>
+                <a:sym typeface="Consolas"/>
+              </a:rPr>
+              <a:t>name</a:t>
+            </a:r>
+            <a:r>
+              <a:rPr lang="en-US" sz="2600" b="0" i="0" u="none" strike="noStrike" cap="none" dirty="0">
+                <a:solidFill>
+                  <a:srgbClr val="F8F8F8"/>
+                </a:solidFill>
+                <a:latin typeface="Consolas"/>
+                <a:ea typeface="Consolas"/>
+                <a:cs typeface="Consolas"/>
+                <a:sym typeface="Consolas"/>
+              </a:rPr>
+              <a:t>: </a:t>
+            </a:r>
+            <a:r>
+              <a:rPr lang="en-US" sz="2600" b="0" i="0" u="none" strike="noStrike" cap="none" dirty="0">
+                <a:solidFill>
+                  <a:srgbClr val="65B042"/>
+                </a:solidFill>
+                <a:latin typeface="Consolas"/>
+                <a:ea typeface="Consolas"/>
+                <a:cs typeface="Consolas"/>
+                <a:sym typeface="Consolas"/>
+              </a:rPr>
+              <a:t>'bar'</a:t>
+            </a:r>
+            <a:r>
+              <a:rPr lang="en-US" sz="2600" b="0" i="0" u="none" strike="noStrike" cap="none" dirty="0">
+                <a:solidFill>
+                  <a:srgbClr val="F8F8F8"/>
+                </a:solidFill>
+                <a:latin typeface="Consolas"/>
+                <a:ea typeface="Consolas"/>
+                <a:cs typeface="Consolas"/>
+                <a:sym typeface="Consolas"/>
+              </a:rPr>
+              <a:t>,</a:t>
+            </a:r>
+          </a:p>
+          <a:p>
+            <a:pPr marL="0" marR="0" lvl="0" indent="0" algn="l" rtl="0">
+              <a:lnSpc>
+                <a:spcPct val="100000"/>
+              </a:lnSpc>
+              <a:spcBef>
+                <a:spcPts val="0"/>
+              </a:spcBef>
+              <a:spcAft>
+                <a:spcPts val="0"/>
+              </a:spcAft>
+              <a:buClr>
+                <a:srgbClr val="F8F8F8"/>
+              </a:buClr>
+              <a:buSzPct val="25000"/>
+              <a:buFont typeface="Consolas"/>
+              <a:buNone/>
+            </a:pPr>
+            <a:r>
+              <a:rPr lang="en-US" sz="2600" b="0" i="0" u="none" strike="noStrike" cap="none" dirty="0">
+                <a:solidFill>
+                  <a:srgbClr val="F8F8F8"/>
+                </a:solidFill>
+                <a:latin typeface="Consolas"/>
+                <a:ea typeface="Consolas"/>
+                <a:cs typeface="Consolas"/>
+                <a:sym typeface="Consolas"/>
+              </a:rPr>
+              <a:t>  </a:t>
+            </a:r>
+            <a:r>
+              <a:rPr lang="en-US" sz="2600" b="0" i="0" u="none" strike="noStrike" cap="none" dirty="0" err="1" smtClean="0">
+                <a:solidFill>
+                  <a:srgbClr val="89BDFF"/>
+                </a:solidFill>
+                <a:latin typeface="Consolas"/>
+                <a:ea typeface="Consolas"/>
+                <a:cs typeface="Consolas"/>
+                <a:sym typeface="Consolas"/>
+              </a:rPr>
+              <a:t>getName</a:t>
+            </a:r>
+            <a:r>
+              <a:rPr lang="en-US" sz="2600" b="0" i="0" u="none" strike="noStrike" cap="none" dirty="0">
+                <a:solidFill>
+                  <a:srgbClr val="F8F8F8"/>
+                </a:solidFill>
+                <a:latin typeface="Consolas"/>
+                <a:ea typeface="Consolas"/>
+                <a:cs typeface="Consolas"/>
+                <a:sym typeface="Consolas"/>
+              </a:rPr>
+              <a:t>: </a:t>
+            </a:r>
+            <a:r>
+              <a:rPr lang="en-US" sz="2600" b="0" i="0" u="none" strike="noStrike" cap="none" dirty="0">
+                <a:solidFill>
+                  <a:srgbClr val="99CF50"/>
+                </a:solidFill>
+                <a:latin typeface="Consolas"/>
+                <a:ea typeface="Consolas"/>
+                <a:cs typeface="Consolas"/>
+                <a:sym typeface="Consolas"/>
+              </a:rPr>
+              <a:t>function</a:t>
+            </a:r>
+            <a:r>
+              <a:rPr lang="en-US" sz="2600" b="0" i="0" u="none" strike="noStrike" cap="none" dirty="0">
+                <a:solidFill>
+                  <a:srgbClr val="F8F8F8"/>
+                </a:solidFill>
+                <a:latin typeface="Consolas"/>
+                <a:ea typeface="Consolas"/>
+                <a:cs typeface="Consolas"/>
+                <a:sym typeface="Consolas"/>
+              </a:rPr>
+              <a:t>() {</a:t>
+            </a:r>
+          </a:p>
+          <a:p>
+            <a:pPr marL="0" marR="0" lvl="0" indent="0" algn="l" rtl="0">
+              <a:lnSpc>
+                <a:spcPct val="100000"/>
+              </a:lnSpc>
+              <a:spcBef>
+                <a:spcPts val="0"/>
+              </a:spcBef>
+              <a:spcAft>
+                <a:spcPts val="0"/>
+              </a:spcAft>
+              <a:buClr>
+                <a:srgbClr val="F8F8F8"/>
+              </a:buClr>
+              <a:buSzPct val="25000"/>
+              <a:buFont typeface="Consolas"/>
+              <a:buNone/>
+            </a:pPr>
+            <a:r>
+              <a:rPr lang="en-US" sz="2600" b="0" i="0" u="none" strike="noStrike" cap="none" dirty="0">
+                <a:solidFill>
+                  <a:srgbClr val="F8F8F8"/>
+                </a:solidFill>
+                <a:latin typeface="Consolas"/>
+                <a:ea typeface="Consolas"/>
+                <a:cs typeface="Consolas"/>
+                <a:sym typeface="Consolas"/>
+              </a:rPr>
+              <a:t>    </a:t>
+            </a:r>
+            <a:r>
+              <a:rPr lang="en-US" sz="2600" b="0" i="0" u="none" strike="noStrike" cap="none" dirty="0" smtClean="0">
+                <a:solidFill>
+                  <a:srgbClr val="F8F8F8"/>
+                </a:solidFill>
+                <a:latin typeface="Consolas"/>
+                <a:ea typeface="Consolas"/>
+                <a:cs typeface="Consolas"/>
+                <a:sym typeface="Consolas"/>
+              </a:rPr>
+              <a:t>	</a:t>
+            </a:r>
+            <a:r>
+              <a:rPr lang="en-US" sz="2600" b="0" i="0" u="none" strike="noStrike" cap="none" dirty="0" smtClean="0">
+                <a:solidFill>
+                  <a:srgbClr val="E28964"/>
+                </a:solidFill>
+                <a:latin typeface="Consolas"/>
+                <a:ea typeface="Consolas"/>
+                <a:cs typeface="Consolas"/>
+                <a:sym typeface="Consolas"/>
+              </a:rPr>
+              <a:t>return</a:t>
+            </a:r>
+            <a:r>
+              <a:rPr lang="en-US" sz="2600" b="0" i="0" u="none" strike="noStrike" cap="none" dirty="0" smtClean="0">
+                <a:solidFill>
+                  <a:srgbClr val="F8F8F8"/>
+                </a:solidFill>
+                <a:latin typeface="Consolas"/>
+                <a:ea typeface="Consolas"/>
+                <a:cs typeface="Consolas"/>
+                <a:sym typeface="Consolas"/>
+              </a:rPr>
+              <a:t> </a:t>
+            </a:r>
+            <a:r>
+              <a:rPr lang="en-US" sz="2600" b="0" i="0" u="none" strike="noStrike" cap="none" dirty="0" err="1">
+                <a:solidFill>
+                  <a:srgbClr val="3E87E3"/>
+                </a:solidFill>
+                <a:latin typeface="Consolas"/>
+                <a:ea typeface="Consolas"/>
+                <a:cs typeface="Consolas"/>
+                <a:sym typeface="Consolas"/>
+              </a:rPr>
+              <a:t>this</a:t>
+            </a:r>
+            <a:r>
+              <a:rPr lang="en-US" sz="2600" b="0" i="0" u="none" strike="noStrike" cap="none" dirty="0" err="1">
+                <a:solidFill>
+                  <a:srgbClr val="F8F8F8"/>
+                </a:solidFill>
+                <a:latin typeface="Consolas"/>
+                <a:ea typeface="Consolas"/>
+                <a:cs typeface="Consolas"/>
+                <a:sym typeface="Consolas"/>
+              </a:rPr>
+              <a:t>.</a:t>
+            </a:r>
+            <a:r>
+              <a:rPr lang="en-US" sz="2600" b="0" i="0" u="none" strike="noStrike" cap="none" dirty="0" err="1">
+                <a:solidFill>
+                  <a:srgbClr val="CF6A4C"/>
+                </a:solidFill>
+                <a:latin typeface="Consolas"/>
+                <a:ea typeface="Consolas"/>
+                <a:cs typeface="Consolas"/>
+                <a:sym typeface="Consolas"/>
+              </a:rPr>
+              <a:t>name</a:t>
+            </a:r>
+            <a:r>
+              <a:rPr lang="en-US" sz="2600" b="0" i="0" u="none" strike="noStrike" cap="none" dirty="0">
+                <a:solidFill>
+                  <a:srgbClr val="F8F8F8"/>
+                </a:solidFill>
+                <a:latin typeface="Consolas"/>
+                <a:ea typeface="Consolas"/>
+                <a:cs typeface="Consolas"/>
+                <a:sym typeface="Consolas"/>
+              </a:rPr>
+              <a:t>;</a:t>
+            </a:r>
+          </a:p>
+          <a:p>
+            <a:pPr marL="0" marR="0" lvl="0" indent="0" algn="l" rtl="0">
+              <a:lnSpc>
+                <a:spcPct val="100000"/>
+              </a:lnSpc>
+              <a:spcBef>
+                <a:spcPts val="0"/>
+              </a:spcBef>
+              <a:spcAft>
+                <a:spcPts val="0"/>
+              </a:spcAft>
+              <a:buClr>
+                <a:srgbClr val="F8F8F8"/>
+              </a:buClr>
+              <a:buSzPct val="25000"/>
+              <a:buFont typeface="Consolas"/>
+              <a:buNone/>
+            </a:pPr>
+            <a:r>
+              <a:rPr lang="en-US" sz="2600" b="0" i="0" u="none" strike="noStrike" cap="none" dirty="0">
+                <a:solidFill>
+                  <a:srgbClr val="F8F8F8"/>
+                </a:solidFill>
+                <a:latin typeface="Consolas"/>
+                <a:ea typeface="Consolas"/>
+                <a:cs typeface="Consolas"/>
+                <a:sym typeface="Consolas"/>
+              </a:rPr>
+              <a:t>  </a:t>
+            </a:r>
+            <a:r>
+              <a:rPr lang="en-US" sz="2600" b="0" i="0" u="none" strike="noStrike" cap="none" dirty="0" smtClean="0">
+                <a:solidFill>
+                  <a:srgbClr val="F8F8F8"/>
+                </a:solidFill>
+                <a:latin typeface="Consolas"/>
+                <a:ea typeface="Consolas"/>
+                <a:cs typeface="Consolas"/>
+                <a:sym typeface="Consolas"/>
+              </a:rPr>
+              <a:t>}</a:t>
+            </a:r>
+            <a:endParaRPr lang="en-US" sz="2600" b="0" i="0" u="none" strike="noStrike" cap="none" dirty="0">
+              <a:solidFill>
+                <a:srgbClr val="F8F8F8"/>
+              </a:solidFill>
+              <a:latin typeface="Consolas"/>
+              <a:ea typeface="Consolas"/>
+              <a:cs typeface="Consolas"/>
+              <a:sym typeface="Consolas"/>
+            </a:endParaRPr>
+          </a:p>
+          <a:p>
+            <a:pPr marL="0" marR="0" lvl="0" indent="0" algn="l" rtl="0">
+              <a:lnSpc>
+                <a:spcPct val="100000"/>
+              </a:lnSpc>
+              <a:spcBef>
+                <a:spcPts val="0"/>
+              </a:spcBef>
+              <a:spcAft>
+                <a:spcPts val="0"/>
+              </a:spcAft>
+              <a:buClr>
+                <a:srgbClr val="F8F8F8"/>
+              </a:buClr>
+              <a:buSzPct val="25000"/>
+              <a:buFont typeface="Consolas"/>
+              <a:buNone/>
+            </a:pPr>
+            <a:r>
+              <a:rPr lang="en-US" sz="2600" b="0" i="0" u="none" strike="noStrike" cap="none" dirty="0">
+                <a:solidFill>
+                  <a:srgbClr val="F8F8F8"/>
+                </a:solidFill>
+                <a:latin typeface="Consolas"/>
+                <a:ea typeface="Consolas"/>
+                <a:cs typeface="Consolas"/>
+                <a:sym typeface="Consolas"/>
+              </a:rPr>
+              <a:t>};</a:t>
+            </a:r>
+          </a:p>
+          <a:p>
+            <a:pPr marL="0" marR="0" lvl="0" indent="0" algn="l" rtl="0">
+              <a:lnSpc>
+                <a:spcPct val="100000"/>
+              </a:lnSpc>
+              <a:spcBef>
+                <a:spcPts val="0"/>
+              </a:spcBef>
+              <a:spcAft>
+                <a:spcPts val="0"/>
+              </a:spcAft>
+              <a:buClr>
+                <a:srgbClr val="F8F8F8"/>
+              </a:buClr>
+              <a:buSzPct val="25000"/>
+              <a:buFont typeface="Consolas"/>
+              <a:buNone/>
+            </a:pPr>
+            <a:r>
+              <a:rPr lang="en-US" sz="2600" b="0" i="0" u="none" strike="noStrike" cap="none" dirty="0" err="1">
+                <a:solidFill>
+                  <a:srgbClr val="F8F8F8"/>
+                </a:solidFill>
+                <a:latin typeface="Consolas"/>
+                <a:ea typeface="Consolas"/>
+                <a:cs typeface="Consolas"/>
+                <a:sym typeface="Consolas"/>
+              </a:rPr>
+              <a:t>person.getName</a:t>
+            </a:r>
+            <a:r>
+              <a:rPr lang="en-US" sz="2600" b="0" i="0" u="none" strike="noStrike" cap="none" dirty="0">
+                <a:solidFill>
+                  <a:srgbClr val="F8F8F8"/>
+                </a:solidFill>
+                <a:latin typeface="Consolas"/>
+                <a:ea typeface="Consolas"/>
+                <a:cs typeface="Consolas"/>
+                <a:sym typeface="Consolas"/>
+              </a:rPr>
+              <a:t>();</a:t>
+            </a:r>
+          </a:p>
+          <a:p>
+            <a:pPr marL="0" marR="0" lvl="0" indent="0" algn="l" rtl="0">
+              <a:lnSpc>
+                <a:spcPct val="100000"/>
+              </a:lnSpc>
+              <a:spcBef>
+                <a:spcPts val="0"/>
+              </a:spcBef>
+              <a:spcAft>
+                <a:spcPts val="0"/>
+              </a:spcAft>
+              <a:buClr>
+                <a:srgbClr val="F8F8F8"/>
+              </a:buClr>
+              <a:buFont typeface="Consolas"/>
+              <a:buNone/>
+            </a:pPr>
+            <a:endParaRPr sz="2600" b="0" i="0" u="none" strike="noStrike" cap="none" dirty="0">
+              <a:solidFill>
+                <a:srgbClr val="F8F8F8"/>
+              </a:solidFill>
+              <a:latin typeface="Consolas"/>
+              <a:ea typeface="Consolas"/>
+              <a:cs typeface="Consolas"/>
+              <a:sym typeface="Consolas"/>
+            </a:endParaRPr>
+          </a:p>
+          <a:p>
+            <a:pPr marL="0" marR="0" lvl="0" indent="0" algn="l" rtl="0">
+              <a:lnSpc>
+                <a:spcPct val="100000"/>
+              </a:lnSpc>
+              <a:spcBef>
+                <a:spcPts val="0"/>
+              </a:spcBef>
+              <a:spcAft>
+                <a:spcPts val="0"/>
+              </a:spcAft>
+              <a:buClr>
+                <a:srgbClr val="AEAEAE"/>
+              </a:buClr>
+              <a:buSzPct val="25000"/>
+              <a:buFont typeface="Helvetica Neue"/>
+              <a:buNone/>
+            </a:pPr>
+            <a:r>
+              <a:rPr lang="en-US" sz="2600" b="0" i="1" u="none" strike="noStrike" cap="none" dirty="0">
+                <a:solidFill>
+                  <a:srgbClr val="AEAEAE"/>
+                </a:solidFill>
+                <a:latin typeface="Helvetica Neue"/>
+                <a:ea typeface="Helvetica Neue"/>
+                <a:cs typeface="Helvetica Neue"/>
+                <a:sym typeface="Helvetica Neue"/>
+              </a:rPr>
+              <a:t>// Result is 'bar'</a:t>
+            </a:r>
+          </a:p>
+        </p:txBody>
+      </p:sp>
+    </p:spTree>
+  </p:cSld>
+  <p:clrMapOvr>
+    <a:masterClrMapping/>
+  </p:clrMapOvr>
+  <p:timing>
+    <p:tnLst>
+      <p:par>
+        <p:cTn id="1" dur="indefinite" restart="never" nodeType="tmRoot"/>
+      </p:par>
+    </p:tnLst>
+  </p:timing>
+</p:sld>
+</file>
+
+<file path=ppt/slides/slide52.xml><?xml version="1.0" encoding="utf-8"?>
+<p:sld xmlns:a="http://schemas.openxmlformats.org/drawingml/2006/main" xmlns:r="http://schemas.openxmlformats.org/officeDocument/2006/relationships" xmlns:p="http://schemas.openxmlformats.org/presentationml/2006/main">
+  <p:cSld>
+    <p:spTree>
+      <p:nvGrpSpPr>
         <p:cNvPr id="1" name="Shape 350"/>
         <p:cNvGrpSpPr/>
         <p:nvPr/>
@@ -30747,7 +31106,7 @@
 </p:sld>
 </file>
 
-<file path=ppt/slides/slide51.xml><?xml version="1.0" encoding="utf-8"?>
+<file path=ppt/slides/slide53.xml><?xml version="1.0" encoding="utf-8"?>
 <p:sld xmlns:a="http://schemas.openxmlformats.org/drawingml/2006/main" xmlns:r="http://schemas.openxmlformats.org/officeDocument/2006/relationships" xmlns:p="http://schemas.openxmlformats.org/presentationml/2006/main">
   <p:cSld>
     <p:spTree>
@@ -30898,7 +31257,7 @@
 </p:sld>
 </file>
 
-<file path=ppt/slides/slide52.xml><?xml version="1.0" encoding="utf-8"?>
+<file path=ppt/slides/slide54.xml><?xml version="1.0" encoding="utf-8"?>
 <p:sld xmlns:a="http://schemas.openxmlformats.org/drawingml/2006/main" xmlns:r="http://schemas.openxmlformats.org/officeDocument/2006/relationships" xmlns:p="http://schemas.openxmlformats.org/presentationml/2006/main">
   <p:cSld>
     <p:spTree>
@@ -31053,7 +31412,7 @@
 </p:sld>
 </file>
 
-<file path=ppt/slides/slide53.xml><?xml version="1.0" encoding="utf-8"?>
+<file path=ppt/slides/slide55.xml><?xml version="1.0" encoding="utf-8"?>
 <p:sld xmlns:a="http://schemas.openxmlformats.org/drawingml/2006/main" xmlns:r="http://schemas.openxmlformats.org/officeDocument/2006/relationships" xmlns:p="http://schemas.openxmlformats.org/presentationml/2006/main">
   <p:cSld>
     <p:spTree>
@@ -31207,7 +31566,7 @@
 </p:sld>
 </file>
 
-<file path=ppt/slides/slide54.xml><?xml version="1.0" encoding="utf-8"?>
+<file path=ppt/slides/slide56.xml><?xml version="1.0" encoding="utf-8"?>
 <p:sld xmlns:a="http://schemas.openxmlformats.org/drawingml/2006/main" xmlns:r="http://schemas.openxmlformats.org/officeDocument/2006/relationships" xmlns:p="http://schemas.openxmlformats.org/presentationml/2006/main">
   <p:cSld>
     <p:spTree>
